--- a/doe-aimes-Y1.pptx
+++ b/doe-aimes-Y1.pptx
@@ -124,7 +124,7 @@
   </p:defaultTextStyle>
   <p:extLst>
     <p:ext uri="{EFAFB233-063F-42B5-8137-9DF3F51BA10A}">
-      <p15:sldGuideLst xmlns:a="http://schemas.openxmlformats.org/drawingml/2006/main" xmlns:r="http://schemas.openxmlformats.org/officeDocument/2006/relationships" xmlns:p="http://schemas.openxmlformats.org/presentationml/2006/main" xmlns="" xmlns:p15="http://schemas.microsoft.com/office/powerpoint/2012/main" xmlns:mv="urn:schemas-microsoft-com:mac:vml" xmlns:mc="http://schemas.openxmlformats.org/markup-compatibility/2006">
+      <p15:sldGuideLst xmlns:mc="http://schemas.openxmlformats.org/markup-compatibility/2006" xmlns:mv="urn:schemas-microsoft-com:mac:vml" xmlns:p15="http://schemas.microsoft.com/office/powerpoint/2012/main" xmlns="" xmlns:p="http://schemas.openxmlformats.org/presentationml/2006/main" xmlns:r="http://schemas.openxmlformats.org/officeDocument/2006/relationships" xmlns:a="http://schemas.openxmlformats.org/drawingml/2006/main">
         <p15:guide id="1" orient="horz" pos="3929" userDrawn="1">
           <p15:clr>
             <a:srgbClr val="A4A3A4"/>
@@ -138,7 +138,7 @@
       </p15:sldGuideLst>
     </p:ext>
     <p:ext uri="{2D200454-40CA-4A62-9FC3-DE9A4176ACB9}">
-      <p15:notesGuideLst xmlns:a="http://schemas.openxmlformats.org/drawingml/2006/main" xmlns:r="http://schemas.openxmlformats.org/officeDocument/2006/relationships" xmlns:p="http://schemas.openxmlformats.org/presentationml/2006/main" xmlns="" xmlns:p15="http://schemas.microsoft.com/office/powerpoint/2012/main" xmlns:mv="urn:schemas-microsoft-com:mac:vml" xmlns:mc="http://schemas.openxmlformats.org/markup-compatibility/2006"/>
+      <p15:notesGuideLst xmlns:mc="http://schemas.openxmlformats.org/markup-compatibility/2006" xmlns:mv="urn:schemas-microsoft-com:mac:vml" xmlns:p15="http://schemas.microsoft.com/office/powerpoint/2012/main" xmlns="" xmlns:p="http://schemas.openxmlformats.org/presentationml/2006/main" xmlns:r="http://schemas.openxmlformats.org/officeDocument/2006/relationships" xmlns:a="http://schemas.openxmlformats.org/drawingml/2006/main"/>
     </p:ext>
   </p:extLst>
 </p:presentation>
@@ -227,7 +227,7 @@
             <a:fld id="{8A43A511-11F1-E84C-9C17-6432078BF397}" type="datetimeFigureOut">
               <a:rPr lang="en-US" smtClean="0"/>
               <a:pPr/>
-              <a:t>3/19/13</a:t>
+              <a:t>4/1/13</a:t>
             </a:fld>
             <a:endParaRPr lang="en-US"/>
           </a:p>
@@ -398,7 +398,7 @@
     </p:spTree>
     <p:extLst>
       <p:ext uri="{BB962C8B-B14F-4D97-AF65-F5344CB8AC3E}">
-        <p14:creationId xmlns:a="http://schemas.openxmlformats.org/drawingml/2006/main" xmlns:r="http://schemas.openxmlformats.org/officeDocument/2006/relationships" xmlns:p="http://schemas.openxmlformats.org/presentationml/2006/main" xmlns="" xmlns:p14="http://schemas.microsoft.com/office/powerpoint/2010/main" xmlns:mv="urn:schemas-microsoft-com:mac:vml" xmlns:mc="http://schemas.openxmlformats.org/markup-compatibility/2006" val="4028167732"/>
+        <p14:creationId xmlns:mc="http://schemas.openxmlformats.org/markup-compatibility/2006" xmlns:mv="urn:schemas-microsoft-com:mac:vml" xmlns:p14="http://schemas.microsoft.com/office/powerpoint/2010/main" xmlns="" xmlns:p="http://schemas.openxmlformats.org/presentationml/2006/main" xmlns:r="http://schemas.openxmlformats.org/officeDocument/2006/relationships" xmlns:a="http://schemas.openxmlformats.org/drawingml/2006/main" val="4028167732"/>
       </p:ext>
     </p:extLst>
   </p:cSld>
@@ -670,7 +670,7 @@
     </p:spTree>
     <p:extLst>
       <p:ext uri="{BB962C8B-B14F-4D97-AF65-F5344CB8AC3E}">
-        <p14:creationId xmlns:a="http://schemas.openxmlformats.org/drawingml/2006/main" xmlns:r="http://schemas.openxmlformats.org/officeDocument/2006/relationships" xmlns:p="http://schemas.openxmlformats.org/presentationml/2006/main" xmlns="" xmlns:p14="http://schemas.microsoft.com/office/powerpoint/2010/main" xmlns:mv="urn:schemas-microsoft-com:mac:vml" xmlns:mc="http://schemas.openxmlformats.org/markup-compatibility/2006" val="431445061"/>
+        <p14:creationId xmlns:mc="http://schemas.openxmlformats.org/markup-compatibility/2006" xmlns:mv="urn:schemas-microsoft-com:mac:vml" xmlns:p14="http://schemas.microsoft.com/office/powerpoint/2010/main" xmlns="" xmlns:p="http://schemas.openxmlformats.org/presentationml/2006/main" xmlns:r="http://schemas.openxmlformats.org/officeDocument/2006/relationships" xmlns:a="http://schemas.openxmlformats.org/drawingml/2006/main" val="431445061"/>
       </p:ext>
     </p:extLst>
   </p:cSld>
@@ -769,7 +769,7 @@
     </p:spTree>
     <p:extLst>
       <p:ext uri="{BB962C8B-B14F-4D97-AF65-F5344CB8AC3E}">
-        <p14:creationId xmlns:a="http://schemas.openxmlformats.org/drawingml/2006/main" xmlns:r="http://schemas.openxmlformats.org/officeDocument/2006/relationships" xmlns:p="http://schemas.openxmlformats.org/presentationml/2006/main" xmlns="" xmlns:p14="http://schemas.microsoft.com/office/powerpoint/2010/main" xmlns:mv="urn:schemas-microsoft-com:mac:vml" xmlns:mc="http://schemas.openxmlformats.org/markup-compatibility/2006" val="183713008"/>
+        <p14:creationId xmlns:mc="http://schemas.openxmlformats.org/markup-compatibility/2006" xmlns:mv="urn:schemas-microsoft-com:mac:vml" xmlns:p14="http://schemas.microsoft.com/office/powerpoint/2010/main" xmlns="" xmlns:p="http://schemas.openxmlformats.org/presentationml/2006/main" xmlns:r="http://schemas.openxmlformats.org/officeDocument/2006/relationships" xmlns:a="http://schemas.openxmlformats.org/drawingml/2006/main" val="183713008"/>
       </p:ext>
     </p:extLst>
   </p:cSld>
@@ -886,7 +886,7 @@
     </p:spTree>
     <p:extLst>
       <p:ext uri="{BB962C8B-B14F-4D97-AF65-F5344CB8AC3E}">
-        <p14:creationId xmlns:a="http://schemas.openxmlformats.org/drawingml/2006/main" xmlns:r="http://schemas.openxmlformats.org/officeDocument/2006/relationships" xmlns:p="http://schemas.openxmlformats.org/presentationml/2006/main" xmlns="" xmlns:p14="http://schemas.microsoft.com/office/powerpoint/2010/main" xmlns:mv="urn:schemas-microsoft-com:mac:vml" xmlns:mc="http://schemas.openxmlformats.org/markup-compatibility/2006" val="1586048623"/>
+        <p14:creationId xmlns:mc="http://schemas.openxmlformats.org/markup-compatibility/2006" xmlns:mv="urn:schemas-microsoft-com:mac:vml" xmlns:p14="http://schemas.microsoft.com/office/powerpoint/2010/main" xmlns="" xmlns:p="http://schemas.openxmlformats.org/presentationml/2006/main" xmlns:r="http://schemas.openxmlformats.org/officeDocument/2006/relationships" xmlns:a="http://schemas.openxmlformats.org/drawingml/2006/main" val="1586048623"/>
       </p:ext>
     </p:extLst>
   </p:cSld>
@@ -948,11 +948,7 @@
             </a:pPr>
             <a:r>
               <a:rPr lang="en-US" dirty="0" smtClean="0"/>
-              <a:t> Problem statement was valid 10 years ago. What has changed in 10 years?</a:t>
-            </a:r>
-            <a:r>
-              <a:rPr lang="en-US" dirty="0" smtClean="0"/>
-              <a:t>  Need/want</a:t>
+              <a:t> Problem statement was valid 10 years ago. What has changed in 10 years?  Need/want</a:t>
             </a:r>
             <a:r>
               <a:rPr lang="en-US" baseline="0" dirty="0" smtClean="0"/>
@@ -1020,7 +1016,7 @@
     </p:spTree>
     <p:extLst>
       <p:ext uri="{BB962C8B-B14F-4D97-AF65-F5344CB8AC3E}">
-        <p14:creationId xmlns:a="http://schemas.openxmlformats.org/drawingml/2006/main" xmlns:r="http://schemas.openxmlformats.org/officeDocument/2006/relationships" xmlns:p="http://schemas.openxmlformats.org/presentationml/2006/main" xmlns="" xmlns:p14="http://schemas.microsoft.com/office/powerpoint/2010/main" xmlns:mv="urn:schemas-microsoft-com:mac:vml" xmlns:mc="http://schemas.openxmlformats.org/markup-compatibility/2006" val="2511922791"/>
+        <p14:creationId xmlns:mc="http://schemas.openxmlformats.org/markup-compatibility/2006" xmlns:mv="urn:schemas-microsoft-com:mac:vml" xmlns:p14="http://schemas.microsoft.com/office/powerpoint/2010/main" xmlns="" xmlns:p="http://schemas.openxmlformats.org/presentationml/2006/main" xmlns:r="http://schemas.openxmlformats.org/officeDocument/2006/relationships" xmlns:a="http://schemas.openxmlformats.org/drawingml/2006/main" val="2511922791"/>
       </p:ext>
     </p:extLst>
   </p:cSld>
@@ -1129,7 +1125,7 @@
     </p:spTree>
     <p:extLst>
       <p:ext uri="{BB962C8B-B14F-4D97-AF65-F5344CB8AC3E}">
-        <p14:creationId xmlns:a="http://schemas.openxmlformats.org/drawingml/2006/main" xmlns:r="http://schemas.openxmlformats.org/officeDocument/2006/relationships" xmlns:p="http://schemas.openxmlformats.org/presentationml/2006/main" xmlns="" xmlns:p14="http://schemas.microsoft.com/office/powerpoint/2010/main" xmlns:mv="urn:schemas-microsoft-com:mac:vml" xmlns:mc="http://schemas.openxmlformats.org/markup-compatibility/2006" val="1943724560"/>
+        <p14:creationId xmlns:mc="http://schemas.openxmlformats.org/markup-compatibility/2006" xmlns:mv="urn:schemas-microsoft-com:mac:vml" xmlns:p14="http://schemas.microsoft.com/office/powerpoint/2010/main" xmlns="" xmlns:p="http://schemas.openxmlformats.org/presentationml/2006/main" xmlns:r="http://schemas.openxmlformats.org/officeDocument/2006/relationships" xmlns:a="http://schemas.openxmlformats.org/drawingml/2006/main" val="1943724560"/>
       </p:ext>
     </p:extLst>
   </p:cSld>
@@ -1191,11 +1187,7 @@
             </a:r>
             <a:r>
               <a:rPr lang="en-US" baseline="0" dirty="0" smtClean="0"/>
-              <a:t> out the key details of an application, act as a form of </a:t>
-            </a:r>
-            <a:r>
-              <a:rPr lang="en-US" baseline="0" dirty="0" smtClean="0"/>
-              <a:t>signature/characterization</a:t>
+              <a:t> out the key details of an application, act as a form of signature/characterization</a:t>
             </a:r>
           </a:p>
           <a:p>
@@ -1264,7 +1256,7 @@
     </p:spTree>
     <p:extLst>
       <p:ext uri="{BB962C8B-B14F-4D97-AF65-F5344CB8AC3E}">
-        <p14:creationId xmlns:a="http://schemas.openxmlformats.org/drawingml/2006/main" xmlns:r="http://schemas.openxmlformats.org/officeDocument/2006/relationships" xmlns:p="http://schemas.openxmlformats.org/presentationml/2006/main" xmlns="" xmlns:p14="http://schemas.microsoft.com/office/powerpoint/2010/main" xmlns:mv="urn:schemas-microsoft-com:mac:vml" xmlns:mc="http://schemas.openxmlformats.org/markup-compatibility/2006" val="3678437192"/>
+        <p14:creationId xmlns:mc="http://schemas.openxmlformats.org/markup-compatibility/2006" xmlns:mv="urn:schemas-microsoft-com:mac:vml" xmlns:p14="http://schemas.microsoft.com/office/powerpoint/2010/main" xmlns="" xmlns:p="http://schemas.openxmlformats.org/presentationml/2006/main" xmlns:r="http://schemas.openxmlformats.org/officeDocument/2006/relationships" xmlns:a="http://schemas.openxmlformats.org/drawingml/2006/main" val="3678437192"/>
       </p:ext>
     </p:extLst>
   </p:cSld>
@@ -1393,7 +1385,7 @@
     </p:spTree>
     <p:extLst>
       <p:ext uri="{BB962C8B-B14F-4D97-AF65-F5344CB8AC3E}">
-        <p14:creationId xmlns:a="http://schemas.openxmlformats.org/drawingml/2006/main" xmlns:r="http://schemas.openxmlformats.org/officeDocument/2006/relationships" xmlns:p="http://schemas.openxmlformats.org/presentationml/2006/main" xmlns="" xmlns:p14="http://schemas.microsoft.com/office/powerpoint/2010/main" xmlns:mv="urn:schemas-microsoft-com:mac:vml" xmlns:mc="http://schemas.openxmlformats.org/markup-compatibility/2006" val="2269759492"/>
+        <p14:creationId xmlns:mc="http://schemas.openxmlformats.org/markup-compatibility/2006" xmlns:mv="urn:schemas-microsoft-com:mac:vml" xmlns:p14="http://schemas.microsoft.com/office/powerpoint/2010/main" xmlns="" xmlns:p="http://schemas.openxmlformats.org/presentationml/2006/main" xmlns:r="http://schemas.openxmlformats.org/officeDocument/2006/relationships" xmlns:a="http://schemas.openxmlformats.org/drawingml/2006/main" val="2269759492"/>
       </p:ext>
     </p:extLst>
   </p:cSld>
@@ -1471,11 +1463,7 @@
             </a:r>
             <a:r>
               <a:rPr lang="en-US" baseline="0" dirty="0" smtClean="0"/>
-              <a:t> limitations. Therefore different pilot jobs semantically and functionally</a:t>
-            </a:r>
-            <a:r>
-              <a:rPr lang="en-US" baseline="0" dirty="0" smtClean="0"/>
-              <a:t>.</a:t>
+              <a:t> limitations. Therefore different pilot jobs semantically and functionally.</a:t>
             </a:r>
           </a:p>
           <a:p>
@@ -1530,7 +1518,7 @@
     </p:spTree>
     <p:extLst>
       <p:ext uri="{BB962C8B-B14F-4D97-AF65-F5344CB8AC3E}">
-        <p14:creationId xmlns:a="http://schemas.openxmlformats.org/drawingml/2006/main" xmlns:r="http://schemas.openxmlformats.org/officeDocument/2006/relationships" xmlns:p="http://schemas.openxmlformats.org/presentationml/2006/main" xmlns="" xmlns:p14="http://schemas.microsoft.com/office/powerpoint/2010/main" xmlns:mv="urn:schemas-microsoft-com:mac:vml" xmlns:mc="http://schemas.openxmlformats.org/markup-compatibility/2006" val="1258020584"/>
+        <p14:creationId xmlns:mc="http://schemas.openxmlformats.org/markup-compatibility/2006" xmlns:mv="urn:schemas-microsoft-com:mac:vml" xmlns:p14="http://schemas.microsoft.com/office/powerpoint/2010/main" xmlns="" xmlns:p="http://schemas.openxmlformats.org/presentationml/2006/main" xmlns:r="http://schemas.openxmlformats.org/officeDocument/2006/relationships" xmlns:a="http://schemas.openxmlformats.org/drawingml/2006/main" val="1258020584"/>
       </p:ext>
     </p:extLst>
   </p:cSld>
@@ -1590,7 +1578,6 @@
               <a:rPr lang="en-US" dirty="0" smtClean="0"/>
               <a:t>Research is in red</a:t>
             </a:r>
-            <a:endParaRPr lang="en-US" dirty="0" smtClean="0"/>
           </a:p>
           <a:p>
             <a:r>
@@ -1599,11 +1586,7 @@
             </a:r>
             <a:r>
               <a:rPr lang="en-US" baseline="0" dirty="0" smtClean="0"/>
-              <a:t> </a:t>
-            </a:r>
-            <a:r>
-              <a:rPr lang="en-US" baseline="0" dirty="0" smtClean="0"/>
-              <a:t>=&gt; estimate resource availability, capacity</a:t>
+              <a:t> =&gt; estimate resource availability, capacity</a:t>
             </a:r>
           </a:p>
           <a:p>
@@ -1652,7 +1635,7 @@
     </p:spTree>
     <p:extLst>
       <p:ext uri="{BB962C8B-B14F-4D97-AF65-F5344CB8AC3E}">
-        <p14:creationId xmlns:a="http://schemas.openxmlformats.org/drawingml/2006/main" xmlns:r="http://schemas.openxmlformats.org/officeDocument/2006/relationships" xmlns:p="http://schemas.openxmlformats.org/presentationml/2006/main" xmlns="" xmlns:p14="http://schemas.microsoft.com/office/powerpoint/2010/main" xmlns:mv="urn:schemas-microsoft-com:mac:vml" xmlns:mc="http://schemas.openxmlformats.org/markup-compatibility/2006" val="694061102"/>
+        <p14:creationId xmlns:mc="http://schemas.openxmlformats.org/markup-compatibility/2006" xmlns:mv="urn:schemas-microsoft-com:mac:vml" xmlns:p14="http://schemas.microsoft.com/office/powerpoint/2010/main" xmlns="" xmlns:p="http://schemas.openxmlformats.org/presentationml/2006/main" xmlns:r="http://schemas.openxmlformats.org/officeDocument/2006/relationships" xmlns:a="http://schemas.openxmlformats.org/drawingml/2006/main" val="694061102"/>
       </p:ext>
     </p:extLst>
   </p:cSld>
@@ -1747,7 +1730,7 @@
     </p:spTree>
     <p:extLst>
       <p:ext uri="{BB962C8B-B14F-4D97-AF65-F5344CB8AC3E}">
-        <p14:creationId xmlns:a="http://schemas.openxmlformats.org/drawingml/2006/main" xmlns:r="http://schemas.openxmlformats.org/officeDocument/2006/relationships" xmlns:p="http://schemas.openxmlformats.org/presentationml/2006/main" xmlns="" xmlns:p14="http://schemas.microsoft.com/office/powerpoint/2010/main" xmlns:mv="urn:schemas-microsoft-com:mac:vml" xmlns:mc="http://schemas.openxmlformats.org/markup-compatibility/2006" val="3096163888"/>
+        <p14:creationId xmlns:mc="http://schemas.openxmlformats.org/markup-compatibility/2006" xmlns:mv="urn:schemas-microsoft-com:mac:vml" xmlns:p14="http://schemas.microsoft.com/office/powerpoint/2010/main" xmlns="" xmlns:p="http://schemas.openxmlformats.org/presentationml/2006/main" xmlns:r="http://schemas.openxmlformats.org/officeDocument/2006/relationships" xmlns:a="http://schemas.openxmlformats.org/drawingml/2006/main" val="3096163888"/>
       </p:ext>
     </p:extLst>
   </p:cSld>
@@ -1865,7 +1848,7 @@
     </p:spTree>
     <p:extLst>
       <p:ext uri="{BB962C8B-B14F-4D97-AF65-F5344CB8AC3E}">
-        <p14:creationId xmlns:a="http://schemas.openxmlformats.org/drawingml/2006/main" xmlns:r="http://schemas.openxmlformats.org/officeDocument/2006/relationships" xmlns:p="http://schemas.openxmlformats.org/presentationml/2006/main" xmlns="" xmlns:p14="http://schemas.microsoft.com/office/powerpoint/2010/main" xmlns:mv="urn:schemas-microsoft-com:mac:vml" xmlns:mc="http://schemas.openxmlformats.org/markup-compatibility/2006" val="606803182"/>
+        <p14:creationId xmlns:mc="http://schemas.openxmlformats.org/markup-compatibility/2006" xmlns:mv="urn:schemas-microsoft-com:mac:vml" xmlns:p14="http://schemas.microsoft.com/office/powerpoint/2010/main" xmlns="" xmlns:p="http://schemas.openxmlformats.org/presentationml/2006/main" xmlns:r="http://schemas.openxmlformats.org/officeDocument/2006/relationships" xmlns:a="http://schemas.openxmlformats.org/drawingml/2006/main" val="606803182"/>
       </p:ext>
     </p:extLst>
   </p:cSld>
@@ -2057,7 +2040,7 @@
           <a:blip r:embed="rId2">
             <a:extLst>
               <a:ext uri="{28A0092B-C50C-407E-A947-70E740481C1C}">
-                <a14:useLocalDpi xmlns:a="http://schemas.openxmlformats.org/drawingml/2006/main" xmlns:r="http://schemas.openxmlformats.org/officeDocument/2006/relationships" xmlns:p="http://schemas.openxmlformats.org/presentationml/2006/main" xmlns="" xmlns:a14="http://schemas.microsoft.com/office/drawing/2010/main" xmlns:mv="urn:schemas-microsoft-com:mac:vml" xmlns:mc="http://schemas.openxmlformats.org/markup-compatibility/2006" val="0"/>
+                <a14:useLocalDpi xmlns:mc="http://schemas.openxmlformats.org/markup-compatibility/2006" xmlns:mv="urn:schemas-microsoft-com:mac:vml" xmlns:a14="http://schemas.microsoft.com/office/drawing/2010/main" xmlns="" xmlns:p="http://schemas.openxmlformats.org/presentationml/2006/main" xmlns:r="http://schemas.openxmlformats.org/officeDocument/2006/relationships" xmlns:a="http://schemas.openxmlformats.org/drawingml/2006/main" val="0"/>
               </a:ext>
             </a:extLst>
           </a:blip>
@@ -2077,7 +2060,7 @@
           <a:noFill/>
           <a:extLst>
             <a:ext uri="{909E8E84-426E-40DD-AFC4-6F175D3DCCD1}">
-              <a14:hiddenFill xmlns:a="http://schemas.openxmlformats.org/drawingml/2006/main" xmlns:r="http://schemas.openxmlformats.org/officeDocument/2006/relationships" xmlns:p="http://schemas.openxmlformats.org/presentationml/2006/main" xmlns="" xmlns:a14="http://schemas.microsoft.com/office/drawing/2010/main" xmlns:mv="urn:schemas-microsoft-com:mac:vml" xmlns:mc="http://schemas.openxmlformats.org/markup-compatibility/2006">
+              <a14:hiddenFill xmlns:mc="http://schemas.openxmlformats.org/markup-compatibility/2006" xmlns:mv="urn:schemas-microsoft-com:mac:vml" xmlns:a14="http://schemas.microsoft.com/office/drawing/2010/main" xmlns="" xmlns:p="http://schemas.openxmlformats.org/presentationml/2006/main" xmlns:r="http://schemas.openxmlformats.org/officeDocument/2006/relationships" xmlns:a="http://schemas.openxmlformats.org/drawingml/2006/main">
                 <a:solidFill>
                   <a:srgbClr val="FFFFFF"/>
                 </a:solidFill>
@@ -2098,7 +2081,7 @@
           <a:blip r:embed="rId3">
             <a:extLst>
               <a:ext uri="{28A0092B-C50C-407E-A947-70E740481C1C}">
-                <a14:useLocalDpi xmlns:a="http://schemas.openxmlformats.org/drawingml/2006/main" xmlns:r="http://schemas.openxmlformats.org/officeDocument/2006/relationships" xmlns:p="http://schemas.openxmlformats.org/presentationml/2006/main" xmlns="" xmlns:a14="http://schemas.microsoft.com/office/drawing/2010/main" xmlns:mv="urn:schemas-microsoft-com:mac:vml" xmlns:mc="http://schemas.openxmlformats.org/markup-compatibility/2006" val="0"/>
+                <a14:useLocalDpi xmlns:mc="http://schemas.openxmlformats.org/markup-compatibility/2006" xmlns:mv="urn:schemas-microsoft-com:mac:vml" xmlns:a14="http://schemas.microsoft.com/office/drawing/2010/main" xmlns="" xmlns:p="http://schemas.openxmlformats.org/presentationml/2006/main" xmlns:r="http://schemas.openxmlformats.org/officeDocument/2006/relationships" xmlns:a="http://schemas.openxmlformats.org/drawingml/2006/main" val="0"/>
               </a:ext>
             </a:extLst>
           </a:blip>
@@ -2142,7 +2125,7 @@
             <a:blip r:embed="rId4">
               <a:extLst>
                 <a:ext uri="{28A0092B-C50C-407E-A947-70E740481C1C}">
-                  <a14:useLocalDpi xmlns:a="http://schemas.openxmlformats.org/drawingml/2006/main" xmlns:r="http://schemas.openxmlformats.org/officeDocument/2006/relationships" xmlns:p="http://schemas.openxmlformats.org/presentationml/2006/main" xmlns="" xmlns:a14="http://schemas.microsoft.com/office/drawing/2010/main" xmlns:mv="urn:schemas-microsoft-com:mac:vml" xmlns:mc="http://schemas.openxmlformats.org/markup-compatibility/2006" val="0"/>
+                  <a14:useLocalDpi xmlns:mc="http://schemas.openxmlformats.org/markup-compatibility/2006" xmlns:mv="urn:schemas-microsoft-com:mac:vml" xmlns:a14="http://schemas.microsoft.com/office/drawing/2010/main" xmlns="" xmlns:p="http://schemas.openxmlformats.org/presentationml/2006/main" xmlns:r="http://schemas.openxmlformats.org/officeDocument/2006/relationships" xmlns:a="http://schemas.openxmlformats.org/drawingml/2006/main" val="0"/>
                 </a:ext>
               </a:extLst>
             </a:blip>
@@ -2160,7 +2143,7 @@
             <a:noFill/>
             <a:extLst>
               <a:ext uri="{909E8E84-426E-40DD-AFC4-6F175D3DCCD1}">
-                <a14:hiddenFill xmlns:a="http://schemas.openxmlformats.org/drawingml/2006/main" xmlns:r="http://schemas.openxmlformats.org/officeDocument/2006/relationships" xmlns:p="http://schemas.openxmlformats.org/presentationml/2006/main" xmlns="" xmlns:a14="http://schemas.microsoft.com/office/drawing/2010/main" xmlns:mv="urn:schemas-microsoft-com:mac:vml" xmlns:mc="http://schemas.openxmlformats.org/markup-compatibility/2006">
+                <a14:hiddenFill xmlns:mc="http://schemas.openxmlformats.org/markup-compatibility/2006" xmlns:mv="urn:schemas-microsoft-com:mac:vml" xmlns:a14="http://schemas.microsoft.com/office/drawing/2010/main" xmlns="" xmlns:p="http://schemas.openxmlformats.org/presentationml/2006/main" xmlns:r="http://schemas.openxmlformats.org/officeDocument/2006/relationships" xmlns:a="http://schemas.openxmlformats.org/drawingml/2006/main">
                   <a:solidFill>
                     <a:srgbClr val="FFFFFF"/>
                   </a:solidFill>
@@ -2181,7 +2164,7 @@
             <a:blip r:embed="rId5">
               <a:extLst>
                 <a:ext uri="{28A0092B-C50C-407E-A947-70E740481C1C}">
-                  <a14:useLocalDpi xmlns:a="http://schemas.openxmlformats.org/drawingml/2006/main" xmlns:r="http://schemas.openxmlformats.org/officeDocument/2006/relationships" xmlns:p="http://schemas.openxmlformats.org/presentationml/2006/main" xmlns="" xmlns:a14="http://schemas.microsoft.com/office/drawing/2010/main" xmlns:mv="urn:schemas-microsoft-com:mac:vml" xmlns:mc="http://schemas.openxmlformats.org/markup-compatibility/2006" val="0"/>
+                  <a14:useLocalDpi xmlns:mc="http://schemas.openxmlformats.org/markup-compatibility/2006" xmlns:mv="urn:schemas-microsoft-com:mac:vml" xmlns:a14="http://schemas.microsoft.com/office/drawing/2010/main" xmlns="" xmlns:p="http://schemas.openxmlformats.org/presentationml/2006/main" xmlns:r="http://schemas.openxmlformats.org/officeDocument/2006/relationships" xmlns:a="http://schemas.openxmlformats.org/drawingml/2006/main" val="0"/>
                 </a:ext>
               </a:extLst>
             </a:blip>
@@ -2201,7 +2184,7 @@
             <a:noFill/>
             <a:extLst>
               <a:ext uri="{909E8E84-426E-40DD-AFC4-6F175D3DCCD1}">
-                <a14:hiddenFill xmlns:a="http://schemas.openxmlformats.org/drawingml/2006/main" xmlns:r="http://schemas.openxmlformats.org/officeDocument/2006/relationships" xmlns:p="http://schemas.openxmlformats.org/presentationml/2006/main" xmlns="" xmlns:a14="http://schemas.microsoft.com/office/drawing/2010/main" xmlns:mv="urn:schemas-microsoft-com:mac:vml" xmlns:mc="http://schemas.openxmlformats.org/markup-compatibility/2006">
+                <a14:hiddenFill xmlns:mc="http://schemas.openxmlformats.org/markup-compatibility/2006" xmlns:mv="urn:schemas-microsoft-com:mac:vml" xmlns:a14="http://schemas.microsoft.com/office/drawing/2010/main" xmlns="" xmlns:p="http://schemas.openxmlformats.org/presentationml/2006/main" xmlns:r="http://schemas.openxmlformats.org/officeDocument/2006/relationships" xmlns:a="http://schemas.openxmlformats.org/drawingml/2006/main">
                   <a:solidFill>
                     <a:srgbClr val="FFFFFF"/>
                   </a:solidFill>
@@ -2214,7 +2197,7 @@
     </p:spTree>
     <p:extLst>
       <p:ext uri="{BB962C8B-B14F-4D97-AF65-F5344CB8AC3E}">
-        <p14:creationId xmlns:a="http://schemas.openxmlformats.org/drawingml/2006/main" xmlns:r="http://schemas.openxmlformats.org/officeDocument/2006/relationships" xmlns:p="http://schemas.openxmlformats.org/presentationml/2006/main" xmlns="" xmlns:p14="http://schemas.microsoft.com/office/powerpoint/2010/main" xmlns:mv="urn:schemas-microsoft-com:mac:vml" xmlns:mc="http://schemas.openxmlformats.org/markup-compatibility/2006" val="4199691176"/>
+        <p14:creationId xmlns:mc="http://schemas.openxmlformats.org/markup-compatibility/2006" xmlns:mv="urn:schemas-microsoft-com:mac:vml" xmlns:p14="http://schemas.microsoft.com/office/powerpoint/2010/main" xmlns="" xmlns:p="http://schemas.openxmlformats.org/presentationml/2006/main" xmlns:r="http://schemas.openxmlformats.org/officeDocument/2006/relationships" xmlns:a="http://schemas.openxmlformats.org/drawingml/2006/main" val="4199691176"/>
       </p:ext>
     </p:extLst>
   </p:cSld>
@@ -2230,7 +2213,7 @@
   </p:timing>
   <p:extLst mod="1">
     <p:ext uri="{DCECCB84-F9BA-43D5-87BE-67443E8EF086}">
-      <p15:sldGuideLst xmlns:a="http://schemas.openxmlformats.org/drawingml/2006/main" xmlns:r="http://schemas.openxmlformats.org/officeDocument/2006/relationships" xmlns:p="http://schemas.openxmlformats.org/presentationml/2006/main" xmlns="" xmlns:p15="http://schemas.microsoft.com/office/powerpoint/2012/main" xmlns:mv="urn:schemas-microsoft-com:mac:vml" xmlns:mc="http://schemas.openxmlformats.org/markup-compatibility/2006">
+      <p15:sldGuideLst xmlns:mc="http://schemas.openxmlformats.org/markup-compatibility/2006" xmlns:mv="urn:schemas-microsoft-com:mac:vml" xmlns:p15="http://schemas.microsoft.com/office/powerpoint/2012/main" xmlns="" xmlns:p="http://schemas.openxmlformats.org/presentationml/2006/main" xmlns:r="http://schemas.openxmlformats.org/officeDocument/2006/relationships" xmlns:a="http://schemas.openxmlformats.org/drawingml/2006/main">
         <p15:guide id="1" orient="horz" pos="3498" userDrawn="1">
           <p15:clr>
             <a:srgbClr val="FBAE40"/>
@@ -2314,7 +2297,7 @@
             <a:blip r:embed="rId2">
               <a:extLst>
                 <a:ext uri="{28A0092B-C50C-407E-A947-70E740481C1C}">
-                  <a14:useLocalDpi xmlns:a="http://schemas.openxmlformats.org/drawingml/2006/main" xmlns:r="http://schemas.openxmlformats.org/officeDocument/2006/relationships" xmlns:p="http://schemas.openxmlformats.org/presentationml/2006/main" xmlns="" xmlns:a14="http://schemas.microsoft.com/office/drawing/2010/main" xmlns:mv="urn:schemas-microsoft-com:mac:vml" xmlns:mc="http://schemas.openxmlformats.org/markup-compatibility/2006" val="0"/>
+                  <a14:useLocalDpi xmlns:mc="http://schemas.openxmlformats.org/markup-compatibility/2006" xmlns:mv="urn:schemas-microsoft-com:mac:vml" xmlns:a14="http://schemas.microsoft.com/office/drawing/2010/main" xmlns="" xmlns:p="http://schemas.openxmlformats.org/presentationml/2006/main" xmlns:r="http://schemas.openxmlformats.org/officeDocument/2006/relationships" xmlns:a="http://schemas.openxmlformats.org/drawingml/2006/main" val="0"/>
                 </a:ext>
               </a:extLst>
             </a:blip>
@@ -2332,7 +2315,7 @@
             <a:noFill/>
             <a:extLst>
               <a:ext uri="{909E8E84-426E-40DD-AFC4-6F175D3DCCD1}">
-                <a14:hiddenFill xmlns:a="http://schemas.openxmlformats.org/drawingml/2006/main" xmlns:r="http://schemas.openxmlformats.org/officeDocument/2006/relationships" xmlns:p="http://schemas.openxmlformats.org/presentationml/2006/main" xmlns="" xmlns:a14="http://schemas.microsoft.com/office/drawing/2010/main" xmlns:mv="urn:schemas-microsoft-com:mac:vml" xmlns:mc="http://schemas.openxmlformats.org/markup-compatibility/2006">
+                <a14:hiddenFill xmlns:mc="http://schemas.openxmlformats.org/markup-compatibility/2006" xmlns:mv="urn:schemas-microsoft-com:mac:vml" xmlns:a14="http://schemas.microsoft.com/office/drawing/2010/main" xmlns="" xmlns:p="http://schemas.openxmlformats.org/presentationml/2006/main" xmlns:r="http://schemas.openxmlformats.org/officeDocument/2006/relationships" xmlns:a="http://schemas.openxmlformats.org/drawingml/2006/main">
                   <a:solidFill>
                     <a:srgbClr val="FFFFFF"/>
                   </a:solidFill>
@@ -2369,7 +2352,7 @@
               <a:blip r:embed="rId3">
                 <a:extLst>
                   <a:ext uri="{28A0092B-C50C-407E-A947-70E740481C1C}">
-                    <a14:useLocalDpi xmlns:a="http://schemas.openxmlformats.org/drawingml/2006/main" xmlns:r="http://schemas.openxmlformats.org/officeDocument/2006/relationships" xmlns:p="http://schemas.openxmlformats.org/presentationml/2006/main" xmlns="" xmlns:a14="http://schemas.microsoft.com/office/drawing/2010/main" xmlns:mv="urn:schemas-microsoft-com:mac:vml" xmlns:mc="http://schemas.openxmlformats.org/markup-compatibility/2006" val="0"/>
+                    <a14:useLocalDpi xmlns:mc="http://schemas.openxmlformats.org/markup-compatibility/2006" xmlns:mv="urn:schemas-microsoft-com:mac:vml" xmlns:a14="http://schemas.microsoft.com/office/drawing/2010/main" xmlns="" xmlns:p="http://schemas.openxmlformats.org/presentationml/2006/main" xmlns:r="http://schemas.openxmlformats.org/officeDocument/2006/relationships" xmlns:a="http://schemas.openxmlformats.org/drawingml/2006/main" val="0"/>
                   </a:ext>
                 </a:extLst>
               </a:blip>
@@ -2389,7 +2372,7 @@
               <a:noFill/>
               <a:extLst>
                 <a:ext uri="{909E8E84-426E-40DD-AFC4-6F175D3DCCD1}">
-                  <a14:hiddenFill xmlns:a="http://schemas.openxmlformats.org/drawingml/2006/main" xmlns:r="http://schemas.openxmlformats.org/officeDocument/2006/relationships" xmlns:p="http://schemas.openxmlformats.org/presentationml/2006/main" xmlns="" xmlns:a14="http://schemas.microsoft.com/office/drawing/2010/main" xmlns:mv="urn:schemas-microsoft-com:mac:vml" xmlns:mc="http://schemas.openxmlformats.org/markup-compatibility/2006">
+                  <a14:hiddenFill xmlns:mc="http://schemas.openxmlformats.org/markup-compatibility/2006" xmlns:mv="urn:schemas-microsoft-com:mac:vml" xmlns:a14="http://schemas.microsoft.com/office/drawing/2010/main" xmlns="" xmlns:p="http://schemas.openxmlformats.org/presentationml/2006/main" xmlns:r="http://schemas.openxmlformats.org/officeDocument/2006/relationships" xmlns:a="http://schemas.openxmlformats.org/drawingml/2006/main">
                     <a:solidFill>
                       <a:srgbClr val="FFFFFF"/>
                     </a:solidFill>
@@ -2410,7 +2393,7 @@
               <a:blip r:embed="rId4">
                 <a:extLst>
                   <a:ext uri="{28A0092B-C50C-407E-A947-70E740481C1C}">
-                    <a14:useLocalDpi xmlns:a="http://schemas.openxmlformats.org/drawingml/2006/main" xmlns:r="http://schemas.openxmlformats.org/officeDocument/2006/relationships" xmlns:p="http://schemas.openxmlformats.org/presentationml/2006/main" xmlns="" xmlns:a14="http://schemas.microsoft.com/office/drawing/2010/main" xmlns:mv="urn:schemas-microsoft-com:mac:vml" xmlns:mc="http://schemas.openxmlformats.org/markup-compatibility/2006" val="0"/>
+                    <a14:useLocalDpi xmlns:mc="http://schemas.openxmlformats.org/markup-compatibility/2006" xmlns:mv="urn:schemas-microsoft-com:mac:vml" xmlns:a14="http://schemas.microsoft.com/office/drawing/2010/main" xmlns="" xmlns:p="http://schemas.openxmlformats.org/presentationml/2006/main" xmlns:r="http://schemas.openxmlformats.org/officeDocument/2006/relationships" xmlns:a="http://schemas.openxmlformats.org/drawingml/2006/main" val="0"/>
                   </a:ext>
                 </a:extLst>
               </a:blip>
@@ -2428,7 +2411,7 @@
               <a:noFill/>
               <a:extLst>
                 <a:ext uri="{909E8E84-426E-40DD-AFC4-6F175D3DCCD1}">
-                  <a14:hiddenFill xmlns:a="http://schemas.openxmlformats.org/drawingml/2006/main" xmlns:r="http://schemas.openxmlformats.org/officeDocument/2006/relationships" xmlns:p="http://schemas.openxmlformats.org/presentationml/2006/main" xmlns="" xmlns:a14="http://schemas.microsoft.com/office/drawing/2010/main" xmlns:mv="urn:schemas-microsoft-com:mac:vml" xmlns:mc="http://schemas.openxmlformats.org/markup-compatibility/2006">
+                  <a14:hiddenFill xmlns:mc="http://schemas.openxmlformats.org/markup-compatibility/2006" xmlns:mv="urn:schemas-microsoft-com:mac:vml" xmlns:a14="http://schemas.microsoft.com/office/drawing/2010/main" xmlns="" xmlns:p="http://schemas.openxmlformats.org/presentationml/2006/main" xmlns:r="http://schemas.openxmlformats.org/officeDocument/2006/relationships" xmlns:a="http://schemas.openxmlformats.org/drawingml/2006/main">
                     <a:solidFill>
                       <a:srgbClr val="FFFFFF"/>
                     </a:solidFill>
@@ -2450,7 +2433,7 @@
             <a:blip r:embed="rId5">
               <a:extLst>
                 <a:ext uri="{28A0092B-C50C-407E-A947-70E740481C1C}">
-                  <a14:useLocalDpi xmlns:a="http://schemas.openxmlformats.org/drawingml/2006/main" xmlns:r="http://schemas.openxmlformats.org/officeDocument/2006/relationships" xmlns:p="http://schemas.openxmlformats.org/presentationml/2006/main" xmlns="" xmlns:a14="http://schemas.microsoft.com/office/drawing/2010/main" xmlns:mv="urn:schemas-microsoft-com:mac:vml" xmlns:mc="http://schemas.openxmlformats.org/markup-compatibility/2006" val="0"/>
+                  <a14:useLocalDpi xmlns:mc="http://schemas.openxmlformats.org/markup-compatibility/2006" xmlns:mv="urn:schemas-microsoft-com:mac:vml" xmlns:a14="http://schemas.microsoft.com/office/drawing/2010/main" xmlns="" xmlns:p="http://schemas.openxmlformats.org/presentationml/2006/main" xmlns:r="http://schemas.openxmlformats.org/officeDocument/2006/relationships" xmlns:a="http://schemas.openxmlformats.org/drawingml/2006/main" val="0"/>
                 </a:ext>
               </a:extLst>
             </a:blip>
@@ -2628,7 +2611,7 @@
     </p:spTree>
     <p:extLst>
       <p:ext uri="{BB962C8B-B14F-4D97-AF65-F5344CB8AC3E}">
-        <p14:creationId xmlns:a="http://schemas.openxmlformats.org/drawingml/2006/main" xmlns:r="http://schemas.openxmlformats.org/officeDocument/2006/relationships" xmlns:p="http://schemas.openxmlformats.org/presentationml/2006/main" xmlns="" xmlns:p14="http://schemas.microsoft.com/office/powerpoint/2010/main" xmlns:mv="urn:schemas-microsoft-com:mac:vml" xmlns:mc="http://schemas.openxmlformats.org/markup-compatibility/2006" val="494430629"/>
+        <p14:creationId xmlns:mc="http://schemas.openxmlformats.org/markup-compatibility/2006" xmlns:mv="urn:schemas-microsoft-com:mac:vml" xmlns:p14="http://schemas.microsoft.com/office/powerpoint/2010/main" xmlns="" xmlns:p="http://schemas.openxmlformats.org/presentationml/2006/main" xmlns:r="http://schemas.openxmlformats.org/officeDocument/2006/relationships" xmlns:a="http://schemas.openxmlformats.org/drawingml/2006/main" val="494430629"/>
       </p:ext>
     </p:extLst>
   </p:cSld>
@@ -2712,7 +2695,7 @@
             <a:blip r:embed="rId2">
               <a:extLst>
                 <a:ext uri="{28A0092B-C50C-407E-A947-70E740481C1C}">
-                  <a14:useLocalDpi xmlns:a="http://schemas.openxmlformats.org/drawingml/2006/main" xmlns:r="http://schemas.openxmlformats.org/officeDocument/2006/relationships" xmlns:p="http://schemas.openxmlformats.org/presentationml/2006/main" xmlns="" xmlns:a14="http://schemas.microsoft.com/office/drawing/2010/main" xmlns:mv="urn:schemas-microsoft-com:mac:vml" xmlns:mc="http://schemas.openxmlformats.org/markup-compatibility/2006" val="0"/>
+                  <a14:useLocalDpi xmlns:mc="http://schemas.openxmlformats.org/markup-compatibility/2006" xmlns:mv="urn:schemas-microsoft-com:mac:vml" xmlns:a14="http://schemas.microsoft.com/office/drawing/2010/main" xmlns="" xmlns:p="http://schemas.openxmlformats.org/presentationml/2006/main" xmlns:r="http://schemas.openxmlformats.org/officeDocument/2006/relationships" xmlns:a="http://schemas.openxmlformats.org/drawingml/2006/main" val="0"/>
                 </a:ext>
               </a:extLst>
             </a:blip>
@@ -2730,7 +2713,7 @@
             <a:noFill/>
             <a:extLst>
               <a:ext uri="{909E8E84-426E-40DD-AFC4-6F175D3DCCD1}">
-                <a14:hiddenFill xmlns:a="http://schemas.openxmlformats.org/drawingml/2006/main" xmlns:r="http://schemas.openxmlformats.org/officeDocument/2006/relationships" xmlns:p="http://schemas.openxmlformats.org/presentationml/2006/main" xmlns="" xmlns:a14="http://schemas.microsoft.com/office/drawing/2010/main" xmlns:mv="urn:schemas-microsoft-com:mac:vml" xmlns:mc="http://schemas.openxmlformats.org/markup-compatibility/2006">
+                <a14:hiddenFill xmlns:mc="http://schemas.openxmlformats.org/markup-compatibility/2006" xmlns:mv="urn:schemas-microsoft-com:mac:vml" xmlns:a14="http://schemas.microsoft.com/office/drawing/2010/main" xmlns="" xmlns:p="http://schemas.openxmlformats.org/presentationml/2006/main" xmlns:r="http://schemas.openxmlformats.org/officeDocument/2006/relationships" xmlns:a="http://schemas.openxmlformats.org/drawingml/2006/main">
                   <a:solidFill>
                     <a:srgbClr val="FFFFFF"/>
                   </a:solidFill>
@@ -2767,7 +2750,7 @@
               <a:blip r:embed="rId3">
                 <a:extLst>
                   <a:ext uri="{28A0092B-C50C-407E-A947-70E740481C1C}">
-                    <a14:useLocalDpi xmlns:a="http://schemas.openxmlformats.org/drawingml/2006/main" xmlns:r="http://schemas.openxmlformats.org/officeDocument/2006/relationships" xmlns:p="http://schemas.openxmlformats.org/presentationml/2006/main" xmlns="" xmlns:a14="http://schemas.microsoft.com/office/drawing/2010/main" xmlns:mv="urn:schemas-microsoft-com:mac:vml" xmlns:mc="http://schemas.openxmlformats.org/markup-compatibility/2006" val="0"/>
+                    <a14:useLocalDpi xmlns:mc="http://schemas.openxmlformats.org/markup-compatibility/2006" xmlns:mv="urn:schemas-microsoft-com:mac:vml" xmlns:a14="http://schemas.microsoft.com/office/drawing/2010/main" xmlns="" xmlns:p="http://schemas.openxmlformats.org/presentationml/2006/main" xmlns:r="http://schemas.openxmlformats.org/officeDocument/2006/relationships" xmlns:a="http://schemas.openxmlformats.org/drawingml/2006/main" val="0"/>
                   </a:ext>
                 </a:extLst>
               </a:blip>
@@ -2787,7 +2770,7 @@
               <a:noFill/>
               <a:extLst>
                 <a:ext uri="{909E8E84-426E-40DD-AFC4-6F175D3DCCD1}">
-                  <a14:hiddenFill xmlns:a="http://schemas.openxmlformats.org/drawingml/2006/main" xmlns:r="http://schemas.openxmlformats.org/officeDocument/2006/relationships" xmlns:p="http://schemas.openxmlformats.org/presentationml/2006/main" xmlns="" xmlns:a14="http://schemas.microsoft.com/office/drawing/2010/main" xmlns:mv="urn:schemas-microsoft-com:mac:vml" xmlns:mc="http://schemas.openxmlformats.org/markup-compatibility/2006">
+                  <a14:hiddenFill xmlns:mc="http://schemas.openxmlformats.org/markup-compatibility/2006" xmlns:mv="urn:schemas-microsoft-com:mac:vml" xmlns:a14="http://schemas.microsoft.com/office/drawing/2010/main" xmlns="" xmlns:p="http://schemas.openxmlformats.org/presentationml/2006/main" xmlns:r="http://schemas.openxmlformats.org/officeDocument/2006/relationships" xmlns:a="http://schemas.openxmlformats.org/drawingml/2006/main">
                     <a:solidFill>
                       <a:srgbClr val="FFFFFF"/>
                     </a:solidFill>
@@ -2808,7 +2791,7 @@
               <a:blip r:embed="rId4">
                 <a:extLst>
                   <a:ext uri="{28A0092B-C50C-407E-A947-70E740481C1C}">
-                    <a14:useLocalDpi xmlns:a="http://schemas.openxmlformats.org/drawingml/2006/main" xmlns:r="http://schemas.openxmlformats.org/officeDocument/2006/relationships" xmlns:p="http://schemas.openxmlformats.org/presentationml/2006/main" xmlns="" xmlns:a14="http://schemas.microsoft.com/office/drawing/2010/main" xmlns:mv="urn:schemas-microsoft-com:mac:vml" xmlns:mc="http://schemas.openxmlformats.org/markup-compatibility/2006" val="0"/>
+                    <a14:useLocalDpi xmlns:mc="http://schemas.openxmlformats.org/markup-compatibility/2006" xmlns:mv="urn:schemas-microsoft-com:mac:vml" xmlns:a14="http://schemas.microsoft.com/office/drawing/2010/main" xmlns="" xmlns:p="http://schemas.openxmlformats.org/presentationml/2006/main" xmlns:r="http://schemas.openxmlformats.org/officeDocument/2006/relationships" xmlns:a="http://schemas.openxmlformats.org/drawingml/2006/main" val="0"/>
                   </a:ext>
                 </a:extLst>
               </a:blip>
@@ -2826,7 +2809,7 @@
               <a:noFill/>
               <a:extLst>
                 <a:ext uri="{909E8E84-426E-40DD-AFC4-6F175D3DCCD1}">
-                  <a14:hiddenFill xmlns:a="http://schemas.openxmlformats.org/drawingml/2006/main" xmlns:r="http://schemas.openxmlformats.org/officeDocument/2006/relationships" xmlns:p="http://schemas.openxmlformats.org/presentationml/2006/main" xmlns="" xmlns:a14="http://schemas.microsoft.com/office/drawing/2010/main" xmlns:mv="urn:schemas-microsoft-com:mac:vml" xmlns:mc="http://schemas.openxmlformats.org/markup-compatibility/2006">
+                  <a14:hiddenFill xmlns:mc="http://schemas.openxmlformats.org/markup-compatibility/2006" xmlns:mv="urn:schemas-microsoft-com:mac:vml" xmlns:a14="http://schemas.microsoft.com/office/drawing/2010/main" xmlns="" xmlns:p="http://schemas.openxmlformats.org/presentationml/2006/main" xmlns:r="http://schemas.openxmlformats.org/officeDocument/2006/relationships" xmlns:a="http://schemas.openxmlformats.org/drawingml/2006/main">
                     <a:solidFill>
                       <a:srgbClr val="FFFFFF"/>
                     </a:solidFill>
@@ -2848,7 +2831,7 @@
             <a:blip r:embed="rId5">
               <a:extLst>
                 <a:ext uri="{28A0092B-C50C-407E-A947-70E740481C1C}">
-                  <a14:useLocalDpi xmlns:a="http://schemas.openxmlformats.org/drawingml/2006/main" xmlns:r="http://schemas.openxmlformats.org/officeDocument/2006/relationships" xmlns:p="http://schemas.openxmlformats.org/presentationml/2006/main" xmlns="" xmlns:a14="http://schemas.microsoft.com/office/drawing/2010/main" xmlns:mv="urn:schemas-microsoft-com:mac:vml" xmlns:mc="http://schemas.openxmlformats.org/markup-compatibility/2006" val="0"/>
+                  <a14:useLocalDpi xmlns:mc="http://schemas.openxmlformats.org/markup-compatibility/2006" xmlns:mv="urn:schemas-microsoft-com:mac:vml" xmlns:a14="http://schemas.microsoft.com/office/drawing/2010/main" xmlns="" xmlns:p="http://schemas.openxmlformats.org/presentationml/2006/main" xmlns:r="http://schemas.openxmlformats.org/officeDocument/2006/relationships" xmlns:a="http://schemas.openxmlformats.org/drawingml/2006/main" val="0"/>
                 </a:ext>
               </a:extLst>
             </a:blip>
@@ -3001,7 +2984,7 @@
     </p:spTree>
     <p:extLst>
       <p:ext uri="{BB962C8B-B14F-4D97-AF65-F5344CB8AC3E}">
-        <p14:creationId xmlns:a="http://schemas.openxmlformats.org/drawingml/2006/main" xmlns:r="http://schemas.openxmlformats.org/officeDocument/2006/relationships" xmlns:p="http://schemas.openxmlformats.org/presentationml/2006/main" xmlns="" xmlns:p14="http://schemas.microsoft.com/office/powerpoint/2010/main" xmlns:mv="urn:schemas-microsoft-com:mac:vml" xmlns:mc="http://schemas.openxmlformats.org/markup-compatibility/2006" val="1527507856"/>
+        <p14:creationId xmlns:mc="http://schemas.openxmlformats.org/markup-compatibility/2006" xmlns:mv="urn:schemas-microsoft-com:mac:vml" xmlns:p14="http://schemas.microsoft.com/office/powerpoint/2010/main" xmlns="" xmlns:p="http://schemas.openxmlformats.org/presentationml/2006/main" xmlns:r="http://schemas.openxmlformats.org/officeDocument/2006/relationships" xmlns:a="http://schemas.openxmlformats.org/drawingml/2006/main" val="1527507856"/>
       </p:ext>
     </p:extLst>
   </p:cSld>
@@ -3121,7 +3104,7 @@
             <a:blip r:embed="rId2">
               <a:extLst>
                 <a:ext uri="{28A0092B-C50C-407E-A947-70E740481C1C}">
-                  <a14:useLocalDpi xmlns:a="http://schemas.openxmlformats.org/drawingml/2006/main" xmlns:r="http://schemas.openxmlformats.org/officeDocument/2006/relationships" xmlns:p="http://schemas.openxmlformats.org/presentationml/2006/main" xmlns="" xmlns:a14="http://schemas.microsoft.com/office/drawing/2010/main" xmlns:mv="urn:schemas-microsoft-com:mac:vml" xmlns:mc="http://schemas.openxmlformats.org/markup-compatibility/2006" val="0"/>
+                  <a14:useLocalDpi xmlns:mc="http://schemas.openxmlformats.org/markup-compatibility/2006" xmlns:mv="urn:schemas-microsoft-com:mac:vml" xmlns:a14="http://schemas.microsoft.com/office/drawing/2010/main" xmlns="" xmlns:p="http://schemas.openxmlformats.org/presentationml/2006/main" xmlns:r="http://schemas.openxmlformats.org/officeDocument/2006/relationships" xmlns:a="http://schemas.openxmlformats.org/drawingml/2006/main" val="0"/>
                 </a:ext>
               </a:extLst>
             </a:blip>
@@ -3139,7 +3122,7 @@
             <a:noFill/>
             <a:extLst>
               <a:ext uri="{909E8E84-426E-40DD-AFC4-6F175D3DCCD1}">
-                <a14:hiddenFill xmlns:a="http://schemas.openxmlformats.org/drawingml/2006/main" xmlns:r="http://schemas.openxmlformats.org/officeDocument/2006/relationships" xmlns:p="http://schemas.openxmlformats.org/presentationml/2006/main" xmlns="" xmlns:a14="http://schemas.microsoft.com/office/drawing/2010/main" xmlns:mv="urn:schemas-microsoft-com:mac:vml" xmlns:mc="http://schemas.openxmlformats.org/markup-compatibility/2006">
+                <a14:hiddenFill xmlns:mc="http://schemas.openxmlformats.org/markup-compatibility/2006" xmlns:mv="urn:schemas-microsoft-com:mac:vml" xmlns:a14="http://schemas.microsoft.com/office/drawing/2010/main" xmlns="" xmlns:p="http://schemas.openxmlformats.org/presentationml/2006/main" xmlns:r="http://schemas.openxmlformats.org/officeDocument/2006/relationships" xmlns:a="http://schemas.openxmlformats.org/drawingml/2006/main">
                   <a:solidFill>
                     <a:srgbClr val="FFFFFF"/>
                   </a:solidFill>
@@ -3176,7 +3159,7 @@
               <a:blip r:embed="rId3">
                 <a:extLst>
                   <a:ext uri="{28A0092B-C50C-407E-A947-70E740481C1C}">
-                    <a14:useLocalDpi xmlns:a="http://schemas.openxmlformats.org/drawingml/2006/main" xmlns:r="http://schemas.openxmlformats.org/officeDocument/2006/relationships" xmlns:p="http://schemas.openxmlformats.org/presentationml/2006/main" xmlns="" xmlns:a14="http://schemas.microsoft.com/office/drawing/2010/main" xmlns:mv="urn:schemas-microsoft-com:mac:vml" xmlns:mc="http://schemas.openxmlformats.org/markup-compatibility/2006" val="0"/>
+                    <a14:useLocalDpi xmlns:mc="http://schemas.openxmlformats.org/markup-compatibility/2006" xmlns:mv="urn:schemas-microsoft-com:mac:vml" xmlns:a14="http://schemas.microsoft.com/office/drawing/2010/main" xmlns="" xmlns:p="http://schemas.openxmlformats.org/presentationml/2006/main" xmlns:r="http://schemas.openxmlformats.org/officeDocument/2006/relationships" xmlns:a="http://schemas.openxmlformats.org/drawingml/2006/main" val="0"/>
                   </a:ext>
                 </a:extLst>
               </a:blip>
@@ -3196,7 +3179,7 @@
               <a:noFill/>
               <a:extLst>
                 <a:ext uri="{909E8E84-426E-40DD-AFC4-6F175D3DCCD1}">
-                  <a14:hiddenFill xmlns:a="http://schemas.openxmlformats.org/drawingml/2006/main" xmlns:r="http://schemas.openxmlformats.org/officeDocument/2006/relationships" xmlns:p="http://schemas.openxmlformats.org/presentationml/2006/main" xmlns="" xmlns:a14="http://schemas.microsoft.com/office/drawing/2010/main" xmlns:mv="urn:schemas-microsoft-com:mac:vml" xmlns:mc="http://schemas.openxmlformats.org/markup-compatibility/2006">
+                  <a14:hiddenFill xmlns:mc="http://schemas.openxmlformats.org/markup-compatibility/2006" xmlns:mv="urn:schemas-microsoft-com:mac:vml" xmlns:a14="http://schemas.microsoft.com/office/drawing/2010/main" xmlns="" xmlns:p="http://schemas.openxmlformats.org/presentationml/2006/main" xmlns:r="http://schemas.openxmlformats.org/officeDocument/2006/relationships" xmlns:a="http://schemas.openxmlformats.org/drawingml/2006/main">
                     <a:solidFill>
                       <a:srgbClr val="FFFFFF"/>
                     </a:solidFill>
@@ -3217,7 +3200,7 @@
               <a:blip r:embed="rId4">
                 <a:extLst>
                   <a:ext uri="{28A0092B-C50C-407E-A947-70E740481C1C}">
-                    <a14:useLocalDpi xmlns:a="http://schemas.openxmlformats.org/drawingml/2006/main" xmlns:r="http://schemas.openxmlformats.org/officeDocument/2006/relationships" xmlns:p="http://schemas.openxmlformats.org/presentationml/2006/main" xmlns="" xmlns:a14="http://schemas.microsoft.com/office/drawing/2010/main" xmlns:mv="urn:schemas-microsoft-com:mac:vml" xmlns:mc="http://schemas.openxmlformats.org/markup-compatibility/2006" val="0"/>
+                    <a14:useLocalDpi xmlns:mc="http://schemas.openxmlformats.org/markup-compatibility/2006" xmlns:mv="urn:schemas-microsoft-com:mac:vml" xmlns:a14="http://schemas.microsoft.com/office/drawing/2010/main" xmlns="" xmlns:p="http://schemas.openxmlformats.org/presentationml/2006/main" xmlns:r="http://schemas.openxmlformats.org/officeDocument/2006/relationships" xmlns:a="http://schemas.openxmlformats.org/drawingml/2006/main" val="0"/>
                   </a:ext>
                 </a:extLst>
               </a:blip>
@@ -3235,7 +3218,7 @@
               <a:noFill/>
               <a:extLst>
                 <a:ext uri="{909E8E84-426E-40DD-AFC4-6F175D3DCCD1}">
-                  <a14:hiddenFill xmlns:a="http://schemas.openxmlformats.org/drawingml/2006/main" xmlns:r="http://schemas.openxmlformats.org/officeDocument/2006/relationships" xmlns:p="http://schemas.openxmlformats.org/presentationml/2006/main" xmlns="" xmlns:a14="http://schemas.microsoft.com/office/drawing/2010/main" xmlns:mv="urn:schemas-microsoft-com:mac:vml" xmlns:mc="http://schemas.openxmlformats.org/markup-compatibility/2006">
+                  <a14:hiddenFill xmlns:mc="http://schemas.openxmlformats.org/markup-compatibility/2006" xmlns:mv="urn:schemas-microsoft-com:mac:vml" xmlns:a14="http://schemas.microsoft.com/office/drawing/2010/main" xmlns="" xmlns:p="http://schemas.openxmlformats.org/presentationml/2006/main" xmlns:r="http://schemas.openxmlformats.org/officeDocument/2006/relationships" xmlns:a="http://schemas.openxmlformats.org/drawingml/2006/main">
                     <a:solidFill>
                       <a:srgbClr val="FFFFFF"/>
                     </a:solidFill>
@@ -3257,7 +3240,7 @@
             <a:blip r:embed="rId5">
               <a:extLst>
                 <a:ext uri="{28A0092B-C50C-407E-A947-70E740481C1C}">
-                  <a14:useLocalDpi xmlns:a="http://schemas.openxmlformats.org/drawingml/2006/main" xmlns:r="http://schemas.openxmlformats.org/officeDocument/2006/relationships" xmlns:p="http://schemas.openxmlformats.org/presentationml/2006/main" xmlns="" xmlns:a14="http://schemas.microsoft.com/office/drawing/2010/main" xmlns:mv="urn:schemas-microsoft-com:mac:vml" xmlns:mc="http://schemas.openxmlformats.org/markup-compatibility/2006" val="0"/>
+                  <a14:useLocalDpi xmlns:mc="http://schemas.openxmlformats.org/markup-compatibility/2006" xmlns:mv="urn:schemas-microsoft-com:mac:vml" xmlns:a14="http://schemas.microsoft.com/office/drawing/2010/main" xmlns="" xmlns:p="http://schemas.openxmlformats.org/presentationml/2006/main" xmlns:r="http://schemas.openxmlformats.org/officeDocument/2006/relationships" xmlns:a="http://schemas.openxmlformats.org/drawingml/2006/main" val="0"/>
                 </a:ext>
               </a:extLst>
             </a:blip>
@@ -3279,7 +3262,7 @@
     </p:spTree>
     <p:extLst>
       <p:ext uri="{BB962C8B-B14F-4D97-AF65-F5344CB8AC3E}">
-        <p14:creationId xmlns:a="http://schemas.openxmlformats.org/drawingml/2006/main" xmlns:r="http://schemas.openxmlformats.org/officeDocument/2006/relationships" xmlns:p="http://schemas.openxmlformats.org/presentationml/2006/main" xmlns="" xmlns:p14="http://schemas.microsoft.com/office/powerpoint/2010/main" xmlns:mv="urn:schemas-microsoft-com:mac:vml" xmlns:mc="http://schemas.openxmlformats.org/markup-compatibility/2006" val="2016872037"/>
+        <p14:creationId xmlns:mc="http://schemas.openxmlformats.org/markup-compatibility/2006" xmlns:mv="urn:schemas-microsoft-com:mac:vml" xmlns:p14="http://schemas.microsoft.com/office/powerpoint/2010/main" xmlns="" xmlns:p="http://schemas.openxmlformats.org/presentationml/2006/main" xmlns:r="http://schemas.openxmlformats.org/officeDocument/2006/relationships" xmlns:a="http://schemas.openxmlformats.org/drawingml/2006/main" val="2016872037"/>
       </p:ext>
     </p:extLst>
   </p:cSld>
@@ -3363,7 +3346,7 @@
             <a:blip r:embed="rId2">
               <a:extLst>
                 <a:ext uri="{28A0092B-C50C-407E-A947-70E740481C1C}">
-                  <a14:useLocalDpi xmlns:a="http://schemas.openxmlformats.org/drawingml/2006/main" xmlns:r="http://schemas.openxmlformats.org/officeDocument/2006/relationships" xmlns:p="http://schemas.openxmlformats.org/presentationml/2006/main" xmlns="" xmlns:a14="http://schemas.microsoft.com/office/drawing/2010/main" xmlns:mv="urn:schemas-microsoft-com:mac:vml" xmlns:mc="http://schemas.openxmlformats.org/markup-compatibility/2006" val="0"/>
+                  <a14:useLocalDpi xmlns:mc="http://schemas.openxmlformats.org/markup-compatibility/2006" xmlns:mv="urn:schemas-microsoft-com:mac:vml" xmlns:a14="http://schemas.microsoft.com/office/drawing/2010/main" xmlns="" xmlns:p="http://schemas.openxmlformats.org/presentationml/2006/main" xmlns:r="http://schemas.openxmlformats.org/officeDocument/2006/relationships" xmlns:a="http://schemas.openxmlformats.org/drawingml/2006/main" val="0"/>
                 </a:ext>
               </a:extLst>
             </a:blip>
@@ -3381,7 +3364,7 @@
             <a:noFill/>
             <a:extLst>
               <a:ext uri="{909E8E84-426E-40DD-AFC4-6F175D3DCCD1}">
-                <a14:hiddenFill xmlns:a="http://schemas.openxmlformats.org/drawingml/2006/main" xmlns:r="http://schemas.openxmlformats.org/officeDocument/2006/relationships" xmlns:p="http://schemas.openxmlformats.org/presentationml/2006/main" xmlns="" xmlns:a14="http://schemas.microsoft.com/office/drawing/2010/main" xmlns:mv="urn:schemas-microsoft-com:mac:vml" xmlns:mc="http://schemas.openxmlformats.org/markup-compatibility/2006">
+                <a14:hiddenFill xmlns:mc="http://schemas.openxmlformats.org/markup-compatibility/2006" xmlns:mv="urn:schemas-microsoft-com:mac:vml" xmlns:a14="http://schemas.microsoft.com/office/drawing/2010/main" xmlns="" xmlns:p="http://schemas.openxmlformats.org/presentationml/2006/main" xmlns:r="http://schemas.openxmlformats.org/officeDocument/2006/relationships" xmlns:a="http://schemas.openxmlformats.org/drawingml/2006/main">
                   <a:solidFill>
                     <a:srgbClr val="FFFFFF"/>
                   </a:solidFill>
@@ -3418,7 +3401,7 @@
               <a:blip r:embed="rId3">
                 <a:extLst>
                   <a:ext uri="{28A0092B-C50C-407E-A947-70E740481C1C}">
-                    <a14:useLocalDpi xmlns:a="http://schemas.openxmlformats.org/drawingml/2006/main" xmlns:r="http://schemas.openxmlformats.org/officeDocument/2006/relationships" xmlns:p="http://schemas.openxmlformats.org/presentationml/2006/main" xmlns="" xmlns:a14="http://schemas.microsoft.com/office/drawing/2010/main" xmlns:mv="urn:schemas-microsoft-com:mac:vml" xmlns:mc="http://schemas.openxmlformats.org/markup-compatibility/2006" val="0"/>
+                    <a14:useLocalDpi xmlns:mc="http://schemas.openxmlformats.org/markup-compatibility/2006" xmlns:mv="urn:schemas-microsoft-com:mac:vml" xmlns:a14="http://schemas.microsoft.com/office/drawing/2010/main" xmlns="" xmlns:p="http://schemas.openxmlformats.org/presentationml/2006/main" xmlns:r="http://schemas.openxmlformats.org/officeDocument/2006/relationships" xmlns:a="http://schemas.openxmlformats.org/drawingml/2006/main" val="0"/>
                   </a:ext>
                 </a:extLst>
               </a:blip>
@@ -3438,7 +3421,7 @@
               <a:noFill/>
               <a:extLst>
                 <a:ext uri="{909E8E84-426E-40DD-AFC4-6F175D3DCCD1}">
-                  <a14:hiddenFill xmlns:a="http://schemas.openxmlformats.org/drawingml/2006/main" xmlns:r="http://schemas.openxmlformats.org/officeDocument/2006/relationships" xmlns:p="http://schemas.openxmlformats.org/presentationml/2006/main" xmlns="" xmlns:a14="http://schemas.microsoft.com/office/drawing/2010/main" xmlns:mv="urn:schemas-microsoft-com:mac:vml" xmlns:mc="http://schemas.openxmlformats.org/markup-compatibility/2006">
+                  <a14:hiddenFill xmlns:mc="http://schemas.openxmlformats.org/markup-compatibility/2006" xmlns:mv="urn:schemas-microsoft-com:mac:vml" xmlns:a14="http://schemas.microsoft.com/office/drawing/2010/main" xmlns="" xmlns:p="http://schemas.openxmlformats.org/presentationml/2006/main" xmlns:r="http://schemas.openxmlformats.org/officeDocument/2006/relationships" xmlns:a="http://schemas.openxmlformats.org/drawingml/2006/main">
                     <a:solidFill>
                       <a:srgbClr val="FFFFFF"/>
                     </a:solidFill>
@@ -3459,7 +3442,7 @@
               <a:blip r:embed="rId4">
                 <a:extLst>
                   <a:ext uri="{28A0092B-C50C-407E-A947-70E740481C1C}">
-                    <a14:useLocalDpi xmlns:a="http://schemas.openxmlformats.org/drawingml/2006/main" xmlns:r="http://schemas.openxmlformats.org/officeDocument/2006/relationships" xmlns:p="http://schemas.openxmlformats.org/presentationml/2006/main" xmlns="" xmlns:a14="http://schemas.microsoft.com/office/drawing/2010/main" xmlns:mv="urn:schemas-microsoft-com:mac:vml" xmlns:mc="http://schemas.openxmlformats.org/markup-compatibility/2006" val="0"/>
+                    <a14:useLocalDpi xmlns:mc="http://schemas.openxmlformats.org/markup-compatibility/2006" xmlns:mv="urn:schemas-microsoft-com:mac:vml" xmlns:a14="http://schemas.microsoft.com/office/drawing/2010/main" xmlns="" xmlns:p="http://schemas.openxmlformats.org/presentationml/2006/main" xmlns:r="http://schemas.openxmlformats.org/officeDocument/2006/relationships" xmlns:a="http://schemas.openxmlformats.org/drawingml/2006/main" val="0"/>
                   </a:ext>
                 </a:extLst>
               </a:blip>
@@ -3477,7 +3460,7 @@
               <a:noFill/>
               <a:extLst>
                 <a:ext uri="{909E8E84-426E-40DD-AFC4-6F175D3DCCD1}">
-                  <a14:hiddenFill xmlns:a="http://schemas.openxmlformats.org/drawingml/2006/main" xmlns:r="http://schemas.openxmlformats.org/officeDocument/2006/relationships" xmlns:p="http://schemas.openxmlformats.org/presentationml/2006/main" xmlns="" xmlns:a14="http://schemas.microsoft.com/office/drawing/2010/main" xmlns:mv="urn:schemas-microsoft-com:mac:vml" xmlns:mc="http://schemas.openxmlformats.org/markup-compatibility/2006">
+                  <a14:hiddenFill xmlns:mc="http://schemas.openxmlformats.org/markup-compatibility/2006" xmlns:mv="urn:schemas-microsoft-com:mac:vml" xmlns:a14="http://schemas.microsoft.com/office/drawing/2010/main" xmlns="" xmlns:p="http://schemas.openxmlformats.org/presentationml/2006/main" xmlns:r="http://schemas.openxmlformats.org/officeDocument/2006/relationships" xmlns:a="http://schemas.openxmlformats.org/drawingml/2006/main">
                     <a:solidFill>
                       <a:srgbClr val="FFFFFF"/>
                     </a:solidFill>
@@ -3499,7 +3482,7 @@
             <a:blip r:embed="rId5">
               <a:extLst>
                 <a:ext uri="{28A0092B-C50C-407E-A947-70E740481C1C}">
-                  <a14:useLocalDpi xmlns:a="http://schemas.openxmlformats.org/drawingml/2006/main" xmlns:r="http://schemas.openxmlformats.org/officeDocument/2006/relationships" xmlns:p="http://schemas.openxmlformats.org/presentationml/2006/main" xmlns="" xmlns:a14="http://schemas.microsoft.com/office/drawing/2010/main" xmlns:mv="urn:schemas-microsoft-com:mac:vml" xmlns:mc="http://schemas.openxmlformats.org/markup-compatibility/2006" val="0"/>
+                  <a14:useLocalDpi xmlns:mc="http://schemas.openxmlformats.org/markup-compatibility/2006" xmlns:mv="urn:schemas-microsoft-com:mac:vml" xmlns:a14="http://schemas.microsoft.com/office/drawing/2010/main" xmlns="" xmlns:p="http://schemas.openxmlformats.org/presentationml/2006/main" xmlns:r="http://schemas.openxmlformats.org/officeDocument/2006/relationships" xmlns:a="http://schemas.openxmlformats.org/drawingml/2006/main" val="0"/>
                 </a:ext>
               </a:extLst>
             </a:blip>
@@ -3756,7 +3739,7 @@
     </p:spTree>
     <p:extLst>
       <p:ext uri="{BB962C8B-B14F-4D97-AF65-F5344CB8AC3E}">
-        <p14:creationId xmlns:a="http://schemas.openxmlformats.org/drawingml/2006/main" xmlns:r="http://schemas.openxmlformats.org/officeDocument/2006/relationships" xmlns:p="http://schemas.openxmlformats.org/presentationml/2006/main" xmlns="" xmlns:p14="http://schemas.microsoft.com/office/powerpoint/2010/main" xmlns:mv="urn:schemas-microsoft-com:mac:vml" xmlns:mc="http://schemas.openxmlformats.org/markup-compatibility/2006" val="3065815195"/>
+        <p14:creationId xmlns:mc="http://schemas.openxmlformats.org/markup-compatibility/2006" xmlns:mv="urn:schemas-microsoft-com:mac:vml" xmlns:p14="http://schemas.microsoft.com/office/powerpoint/2010/main" xmlns="" xmlns:p="http://schemas.openxmlformats.org/presentationml/2006/main" xmlns:r="http://schemas.openxmlformats.org/officeDocument/2006/relationships" xmlns:a="http://schemas.openxmlformats.org/drawingml/2006/main" val="3065815195"/>
       </p:ext>
     </p:extLst>
   </p:cSld>
@@ -3920,7 +3903,7 @@
     </p:spTree>
     <p:extLst>
       <p:ext uri="{BB962C8B-B14F-4D97-AF65-F5344CB8AC3E}">
-        <p14:creationId xmlns:a="http://schemas.openxmlformats.org/drawingml/2006/main" xmlns:r="http://schemas.openxmlformats.org/officeDocument/2006/relationships" xmlns:p="http://schemas.openxmlformats.org/presentationml/2006/main" xmlns="" xmlns:p14="http://schemas.microsoft.com/office/powerpoint/2010/main" xmlns:mv="urn:schemas-microsoft-com:mac:vml" xmlns:mc="http://schemas.openxmlformats.org/markup-compatibility/2006" val="3041500292"/>
+        <p14:creationId xmlns:mc="http://schemas.openxmlformats.org/markup-compatibility/2006" xmlns:mv="urn:schemas-microsoft-com:mac:vml" xmlns:p14="http://schemas.microsoft.com/office/powerpoint/2010/main" xmlns="" xmlns:p="http://schemas.openxmlformats.org/presentationml/2006/main" xmlns:r="http://schemas.openxmlformats.org/officeDocument/2006/relationships" xmlns:a="http://schemas.openxmlformats.org/drawingml/2006/main" val="3041500292"/>
       </p:ext>
     </p:extLst>
   </p:cSld>
@@ -4368,7 +4351,6 @@
               <a:rPr lang="en-GB" dirty="0" smtClean="0"/>
               <a:t>DOE NGNS PI Meeting – Mar 18-20 2013, Emeryville, CA</a:t>
             </a:r>
-            <a:endParaRPr lang="en-GB" dirty="0" smtClean="0"/>
           </a:p>
           <a:p>
             <a:r>
@@ -4410,7 +4392,7 @@
     </p:spTree>
     <p:extLst>
       <p:ext uri="{BB962C8B-B14F-4D97-AF65-F5344CB8AC3E}">
-        <p14:creationId xmlns:a="http://schemas.openxmlformats.org/drawingml/2006/main" xmlns:r="http://schemas.openxmlformats.org/officeDocument/2006/relationships" xmlns:p="http://schemas.openxmlformats.org/presentationml/2006/main" xmlns="" xmlns:p14="http://schemas.microsoft.com/office/powerpoint/2010/main" xmlns:mv="urn:schemas-microsoft-com:mac:vml" xmlns:mc="http://schemas.openxmlformats.org/markup-compatibility/2006" val="1307402227"/>
+        <p14:creationId xmlns:mc="http://schemas.openxmlformats.org/markup-compatibility/2006" xmlns:mv="urn:schemas-microsoft-com:mac:vml" xmlns:p14="http://schemas.microsoft.com/office/powerpoint/2010/main" xmlns="" xmlns:p="http://schemas.openxmlformats.org/presentationml/2006/main" xmlns:r="http://schemas.openxmlformats.org/officeDocument/2006/relationships" xmlns:a="http://schemas.openxmlformats.org/drawingml/2006/main" val="1307402227"/>
       </p:ext>
     </p:extLst>
   </p:cSld>
@@ -4566,7 +4548,7 @@
           <a:blip r:embed="rId3">
             <a:extLst>
               <a:ext uri="{28A0092B-C50C-407E-A947-70E740481C1C}">
-                <a14:useLocalDpi xmlns:a="http://schemas.openxmlformats.org/drawingml/2006/main" xmlns:r="http://schemas.openxmlformats.org/officeDocument/2006/relationships" xmlns:p="http://schemas.openxmlformats.org/presentationml/2006/main" xmlns="" xmlns:a14="http://schemas.microsoft.com/office/drawing/2010/main" xmlns:mv="urn:schemas-microsoft-com:mac:vml" xmlns:mc="http://schemas.openxmlformats.org/markup-compatibility/2006" val="0"/>
+                <a14:useLocalDpi xmlns:mc="http://schemas.openxmlformats.org/markup-compatibility/2006" xmlns:mv="urn:schemas-microsoft-com:mac:vml" xmlns:a14="http://schemas.microsoft.com/office/drawing/2010/main" xmlns="" xmlns:p="http://schemas.openxmlformats.org/presentationml/2006/main" xmlns:r="http://schemas.openxmlformats.org/officeDocument/2006/relationships" xmlns:a="http://schemas.openxmlformats.org/drawingml/2006/main" val="0"/>
               </a:ext>
             </a:extLst>
           </a:blip>
@@ -4595,7 +4577,7 @@
           <a:blip r:embed="rId3">
             <a:extLst>
               <a:ext uri="{28A0092B-C50C-407E-A947-70E740481C1C}">
-                <a14:useLocalDpi xmlns:a="http://schemas.openxmlformats.org/drawingml/2006/main" xmlns:r="http://schemas.openxmlformats.org/officeDocument/2006/relationships" xmlns:p="http://schemas.openxmlformats.org/presentationml/2006/main" xmlns="" xmlns:a14="http://schemas.microsoft.com/office/drawing/2010/main" xmlns:mv="urn:schemas-microsoft-com:mac:vml" xmlns:mc="http://schemas.openxmlformats.org/markup-compatibility/2006" val="0"/>
+                <a14:useLocalDpi xmlns:mc="http://schemas.openxmlformats.org/markup-compatibility/2006" xmlns:mv="urn:schemas-microsoft-com:mac:vml" xmlns:a14="http://schemas.microsoft.com/office/drawing/2010/main" xmlns="" xmlns:p="http://schemas.openxmlformats.org/presentationml/2006/main" xmlns:r="http://schemas.openxmlformats.org/officeDocument/2006/relationships" xmlns:a="http://schemas.openxmlformats.org/drawingml/2006/main" val="0"/>
               </a:ext>
             </a:extLst>
           </a:blip>
@@ -4708,7 +4690,7 @@
           <a:blip r:embed="rId3">
             <a:extLst>
               <a:ext uri="{28A0092B-C50C-407E-A947-70E740481C1C}">
-                <a14:useLocalDpi xmlns:a="http://schemas.openxmlformats.org/drawingml/2006/main" xmlns:r="http://schemas.openxmlformats.org/officeDocument/2006/relationships" xmlns:p="http://schemas.openxmlformats.org/presentationml/2006/main" xmlns="" xmlns:a14="http://schemas.microsoft.com/office/drawing/2010/main" xmlns:mv="urn:schemas-microsoft-com:mac:vml" xmlns:mc="http://schemas.openxmlformats.org/markup-compatibility/2006" val="0"/>
+                <a14:useLocalDpi xmlns:mc="http://schemas.openxmlformats.org/markup-compatibility/2006" xmlns:mv="urn:schemas-microsoft-com:mac:vml" xmlns:a14="http://schemas.microsoft.com/office/drawing/2010/main" xmlns="" xmlns:p="http://schemas.openxmlformats.org/presentationml/2006/main" xmlns:r="http://schemas.openxmlformats.org/officeDocument/2006/relationships" xmlns:a="http://schemas.openxmlformats.org/drawingml/2006/main" val="0"/>
               </a:ext>
             </a:extLst>
           </a:blip>
@@ -4818,12 +4800,12 @@
               <a:t>Define the </a:t>
             </a:r>
             <a:r>
-              <a:rPr lang="en-US" dirty="0" err="1" smtClean="0"/>
-              <a:t>SoC</a:t>
-            </a:r>
-            <a:r>
               <a:rPr lang="en-US" dirty="0" smtClean="0"/>
-              <a:t> and API between Pilots and Bundles</a:t>
+              <a:t>Separation of Concerns </a:t>
+            </a:r>
+            <a:r>
+              <a:rPr lang="en-US" dirty="0" smtClean="0"/>
+              <a:t>and API between Pilots and Bundles</a:t>
             </a:r>
           </a:p>
           <a:p>
@@ -5265,7 +5247,7 @@
     </p:spTree>
     <p:extLst>
       <p:ext uri="{BB962C8B-B14F-4D97-AF65-F5344CB8AC3E}">
-        <p14:creationId xmlns:a="http://schemas.openxmlformats.org/drawingml/2006/main" xmlns:r="http://schemas.openxmlformats.org/officeDocument/2006/relationships" xmlns:p="http://schemas.openxmlformats.org/presentationml/2006/main" xmlns="" xmlns:p14="http://schemas.microsoft.com/office/powerpoint/2010/main" xmlns:mv="urn:schemas-microsoft-com:mac:vml" xmlns:mc="http://schemas.openxmlformats.org/markup-compatibility/2006" val="717556157"/>
+        <p14:creationId xmlns:mc="http://schemas.openxmlformats.org/markup-compatibility/2006" xmlns:mv="urn:schemas-microsoft-com:mac:vml" xmlns:p14="http://schemas.microsoft.com/office/powerpoint/2010/main" xmlns="" xmlns:p="http://schemas.openxmlformats.org/presentationml/2006/main" xmlns:r="http://schemas.openxmlformats.org/officeDocument/2006/relationships" xmlns:a="http://schemas.openxmlformats.org/drawingml/2006/main" val="717556157"/>
       </p:ext>
     </p:extLst>
   </p:cSld>
@@ -5723,49 +5705,7 @@
                 <a:ea typeface="ＭＳ Ｐゴシック" charset="-128"/>
                 <a:cs typeface="ＭＳ Ｐゴシック" charset="-128"/>
               </a:rPr>
-              <a:t>Defined</a:t>
-            </a:r>
-            <a:r>
-              <a:rPr lang="en-US" sz="1800" dirty="0" smtClean="0">
-                <a:ea typeface="ＭＳ Ｐゴシック" charset="-128"/>
-                <a:cs typeface="ＭＳ Ｐゴシック" charset="-128"/>
-              </a:rPr>
-              <a:t> </a:t>
-            </a:r>
-            <a:r>
-              <a:rPr lang="en-US" sz="1800" dirty="0" smtClean="0">
-                <a:ea typeface="ＭＳ Ｐゴシック" charset="-128"/>
-                <a:cs typeface="ＭＳ Ｐゴシック" charset="-128"/>
-              </a:rPr>
-              <a:t>primary abstractions:</a:t>
-            </a:r>
-            <a:r>
-              <a:rPr lang="en-US" sz="1800" dirty="0" smtClean="0">
-                <a:ea typeface="ＭＳ Ｐゴシック" charset="-128"/>
-                <a:cs typeface="ＭＳ Ｐゴシック" charset="-128"/>
-              </a:rPr>
-              <a:t> </a:t>
-            </a:r>
-            <a:r>
-              <a:rPr lang="en-US" sz="1800" dirty="0" smtClean="0">
-                <a:ea typeface="ＭＳ Ｐゴシック" charset="-128"/>
-                <a:cs typeface="ＭＳ Ｐゴシック" charset="-128"/>
-              </a:rPr>
-              <a:t>pilot </a:t>
-            </a:r>
-            <a:r>
-              <a:rPr lang="en-US" sz="1800" dirty="0" smtClean="0">
-                <a:ea typeface="ＭＳ Ｐゴシック" charset="-128"/>
-                <a:cs typeface="ＭＳ Ｐゴシック" charset="-128"/>
-              </a:rPr>
-              <a:t>and bundle </a:t>
-            </a:r>
-            <a:r>
-              <a:rPr lang="en-US" sz="1800" dirty="0" smtClean="0">
-                <a:ea typeface="ＭＳ Ｐゴシック" charset="-128"/>
-                <a:cs typeface="ＭＳ Ｐゴシック" charset="-128"/>
-              </a:rPr>
-              <a:t>interactions, and use cases</a:t>
+              <a:t>Defined primary abstractions: pilot and bundle interactions, and use cases</a:t>
             </a:r>
           </a:p>
           <a:p>
@@ -6017,15 +5957,7 @@
             </a:pPr>
             <a:r>
               <a:rPr lang="en-US" dirty="0" smtClean="0"/>
-              <a:t>Extreme-Scale Challenges</a:t>
-            </a:r>
-            <a:r>
-              <a:rPr lang="en-US" dirty="0" smtClean="0"/>
-              <a:t>: predictable,</a:t>
-            </a:r>
-            <a:r>
-              <a:rPr lang="en-US" dirty="0" smtClean="0"/>
-              <a:t> flexible, reliable, federation</a:t>
+              <a:t>Extreme-Scale Challenges: predictable, flexible, reliable, federation</a:t>
             </a:r>
           </a:p>
           <a:p>
@@ -6038,15 +5970,7 @@
             </a:pPr>
             <a:r>
               <a:rPr lang="en-US" dirty="0" smtClean="0"/>
-              <a:t>“</a:t>
-            </a:r>
-            <a:r>
-              <a:rPr lang="en-US" dirty="0" smtClean="0"/>
-              <a:t>Beyond Glue” =&gt; reason about the application and infrastructure</a:t>
-            </a:r>
-            <a:r>
-              <a:rPr lang="en-US" dirty="0" smtClean="0"/>
-              <a:t>	</a:t>
+              <a:t>“Beyond Glue” =&gt; reason about the application and infrastructure	</a:t>
             </a:r>
           </a:p>
           <a:p>
@@ -6059,23 +5983,7 @@
             </a:pPr>
             <a:r>
               <a:rPr lang="en-US" dirty="0" smtClean="0"/>
-              <a:t>Develop </a:t>
-            </a:r>
-            <a:r>
-              <a:rPr lang="en-US" dirty="0" smtClean="0"/>
-              <a:t>new</a:t>
-            </a:r>
-            <a:r>
-              <a:rPr lang="en-US" dirty="0" smtClean="0"/>
-              <a:t> abstractions for resources </a:t>
-            </a:r>
-            <a:r>
-              <a:rPr lang="en-US" dirty="0" smtClean="0"/>
-              <a:t>at all </a:t>
-            </a:r>
-            <a:r>
-              <a:rPr lang="en-US" dirty="0" smtClean="0"/>
-              <a:t>levels</a:t>
+              <a:t>Develop new abstractions for resources at all levels</a:t>
             </a:r>
           </a:p>
         </p:txBody>
@@ -6183,7 +6091,6 @@
               <a:rPr lang="en-US" dirty="0" smtClean="0"/>
               <a:t>applications and infrastructures </a:t>
             </a:r>
-            <a:endParaRPr lang="en-US" dirty="0" smtClean="0"/>
           </a:p>
           <a:p>
             <a:pPr marL="176213" marR="0" lvl="0" indent="-176213" algn="l" defTabSz="457200" rtl="0" eaLnBrk="1" fontAlgn="auto" latinLnBrk="0" hangingPunct="1">
@@ -6202,23 +6109,7 @@
             </a:pPr>
             <a:r>
               <a:rPr lang="en-US" dirty="0" smtClean="0"/>
-              <a:t>Predictable </a:t>
-            </a:r>
-            <a:r>
-              <a:rPr lang="en-US" dirty="0" smtClean="0"/>
-              <a:t>performance across diverse infrastructures</a:t>
-            </a:r>
-            <a:r>
-              <a:rPr lang="en-US" dirty="0" smtClean="0"/>
-              <a:t> (flexible execution) for </a:t>
-            </a:r>
-            <a:r>
-              <a:rPr lang="en-US" dirty="0" smtClean="0"/>
-              <a:t>small- and large-scale </a:t>
-            </a:r>
-            <a:r>
-              <a:rPr lang="en-US" dirty="0" smtClean="0"/>
-              <a:t>collaborations</a:t>
+              <a:t>Predictable performance across diverse infrastructures (flexible execution) for small- and large-scale collaborations</a:t>
             </a:r>
           </a:p>
           <a:p>
@@ -6232,13 +6123,8 @@
             </a:pPr>
             <a:r>
               <a:rPr lang="en-US" dirty="0" smtClean="0"/>
-              <a:t>New integrated resource management </a:t>
-            </a:r>
-            <a:r>
-              <a:rPr lang="en-US" dirty="0" smtClean="0"/>
-              <a:t>paradigms</a:t>
-            </a:r>
-            <a:endParaRPr lang="en-US" dirty="0" smtClean="0"/>
+              <a:t>New integrated resource management paradigms</a:t>
+            </a:r>
           </a:p>
         </p:txBody>
       </p:sp>
@@ -6278,7 +6164,7 @@
           <a:blip r:embed="rId3">
             <a:extLst>
               <a:ext uri="{28A0092B-C50C-407E-A947-70E740481C1C}">
-                <a14:useLocalDpi xmlns:a="http://schemas.openxmlformats.org/drawingml/2006/main" xmlns:r="http://schemas.openxmlformats.org/officeDocument/2006/relationships" xmlns:p="http://schemas.openxmlformats.org/presentationml/2006/main" xmlns="" xmlns:a14="http://schemas.microsoft.com/office/drawing/2010/main" xmlns:mv="urn:schemas-microsoft-com:mac:vml" xmlns:mc="http://schemas.openxmlformats.org/markup-compatibility/2006" val="0"/>
+                <a14:useLocalDpi xmlns:mc="http://schemas.openxmlformats.org/markup-compatibility/2006" xmlns:mv="urn:schemas-microsoft-com:mac:vml" xmlns:a14="http://schemas.microsoft.com/office/drawing/2010/main" xmlns="" xmlns:p="http://schemas.openxmlformats.org/presentationml/2006/main" xmlns:r="http://schemas.openxmlformats.org/officeDocument/2006/relationships" xmlns:a="http://schemas.openxmlformats.org/drawingml/2006/main" val="0"/>
               </a:ext>
             </a:extLst>
           </a:blip>
@@ -6450,15 +6336,7 @@
                   <a:srgbClr val="D7112E"/>
                 </a:solidFill>
               </a:rPr>
-              <a:t>The </a:t>
-            </a:r>
-            <a:r>
-              <a:rPr lang="en-US" dirty="0" smtClean="0">
-                <a:solidFill>
-                  <a:srgbClr val="D7112E"/>
-                </a:solidFill>
-              </a:rPr>
-              <a:t>Hypothesis</a:t>
+              <a:t>The Hypothesis</a:t>
             </a:r>
           </a:p>
           <a:p>
@@ -6479,15 +6357,7 @@
             <a:pPr lvl="2"/>
             <a:r>
               <a:rPr lang="en-US" dirty="0" smtClean="0"/>
-              <a:t>Abstractions and Models are key </a:t>
-            </a:r>
-            <a:r>
-              <a:rPr lang="en-US" dirty="0" smtClean="0"/>
-              <a:t>to “reason about </a:t>
-            </a:r>
-            <a:r>
-              <a:rPr lang="en-US" dirty="0" smtClean="0"/>
-              <a:t>distribution”</a:t>
+              <a:t>Abstractions and Models are key to “reason about distribution”</a:t>
             </a:r>
           </a:p>
           <a:p>
@@ -6509,31 +6379,7 @@
             <a:pPr lvl="1"/>
             <a:r>
               <a:rPr lang="en-US" dirty="0" smtClean="0"/>
-              <a:t>We advance middleware abstractions that</a:t>
-            </a:r>
-            <a:r>
-              <a:rPr lang="en-US" dirty="0" smtClean="0"/>
-              <a:t> will </a:t>
-            </a:r>
-            <a:r>
-              <a:rPr lang="en-US" dirty="0" smtClean="0"/>
-              <a:t>facilitate reasoning</a:t>
-            </a:r>
-            <a:r>
-              <a:rPr lang="en-US" dirty="0" smtClean="0"/>
-              <a:t> integrated </a:t>
-            </a:r>
-            <a:r>
-              <a:rPr lang="en-US" dirty="0" smtClean="0"/>
-              <a:t>across </a:t>
-            </a:r>
-            <a:r>
-              <a:rPr lang="en-US" dirty="0" smtClean="0"/>
-              <a:t>application </a:t>
-            </a:r>
-            <a:r>
-              <a:rPr lang="en-US" dirty="0" smtClean="0"/>
-              <a:t>and resource level</a:t>
+              <a:t>We advance middleware abstractions that will facilitate reasoning integrated across application and resource level</a:t>
             </a:r>
           </a:p>
           <a:p>
@@ -7577,7 +7423,7 @@
     </p:spTree>
     <p:extLst>
       <p:ext uri="{BB962C8B-B14F-4D97-AF65-F5344CB8AC3E}">
-        <p14:creationId xmlns:a="http://schemas.openxmlformats.org/drawingml/2006/main" xmlns:r="http://schemas.openxmlformats.org/officeDocument/2006/relationships" xmlns:p="http://schemas.openxmlformats.org/presentationml/2006/main" xmlns="" xmlns:p14="http://schemas.microsoft.com/office/powerpoint/2010/main" xmlns:mv="urn:schemas-microsoft-com:mac:vml" xmlns:mc="http://schemas.openxmlformats.org/markup-compatibility/2006" val="1424701725"/>
+        <p14:creationId xmlns:mc="http://schemas.openxmlformats.org/markup-compatibility/2006" xmlns:mv="urn:schemas-microsoft-com:mac:vml" xmlns:p14="http://schemas.microsoft.com/office/powerpoint/2010/main" xmlns="" xmlns:p="http://schemas.openxmlformats.org/presentationml/2006/main" xmlns:r="http://schemas.openxmlformats.org/officeDocument/2006/relationships" xmlns:a="http://schemas.openxmlformats.org/drawingml/2006/main" val="1424701725"/>
       </p:ext>
     </p:extLst>
   </p:cSld>
@@ -7675,29 +7521,8 @@
             </a:r>
             <a:r>
               <a:rPr lang="en-GB" dirty="0" smtClean="0"/>
-              <a:t>a system that generalizes a placeholder job to provide multi-level scheduling to </a:t>
-            </a:r>
-            <a:r>
-              <a:rPr lang="en-GB" dirty="0" smtClean="0"/>
-              <a:t>allow application-level control </a:t>
-            </a:r>
-            <a:r>
-              <a:rPr lang="en-GB" dirty="0" smtClean="0"/>
-              <a:t>over the</a:t>
-            </a:r>
-            <a:r>
-              <a:rPr lang="en-GB" dirty="0" smtClean="0"/>
-              <a:t> system scheduler </a:t>
-            </a:r>
-            <a:r>
-              <a:rPr lang="en-GB" dirty="0" smtClean="0"/>
-              <a:t>via a scheduling </a:t>
-            </a:r>
-            <a:r>
-              <a:rPr lang="en-GB" dirty="0" smtClean="0"/>
-              <a:t>overlay</a:t>
-            </a:r>
-            <a:endParaRPr lang="en-GB" dirty="0" smtClean="0"/>
+              <a:t>a system that generalizes a placeholder job to provide multi-level scheduling to allow application-level control over the system scheduler via a scheduling overlay</a:t>
+            </a:r>
           </a:p>
         </p:txBody>
       </p:sp>
@@ -11959,7 +11784,7 @@
           <a:effectLst/>
           <a:extLst>
             <a:ext uri="{909E8E84-426E-40DD-AFC4-6F175D3DCCD1}">
-              <a14:hiddenFill xmlns:a="http://schemas.openxmlformats.org/drawingml/2006/main" xmlns:r="http://schemas.openxmlformats.org/officeDocument/2006/relationships" xmlns:p="http://schemas.openxmlformats.org/presentationml/2006/main" xmlns="" xmlns:a14="http://schemas.microsoft.com/office/drawing/2010/main" xmlns:mv="urn:schemas-microsoft-com:mac:vml" xmlns:mc="http://schemas.openxmlformats.org/markup-compatibility/2006">
+              <a14:hiddenFill xmlns:mc="http://schemas.openxmlformats.org/markup-compatibility/2006" xmlns:mv="urn:schemas-microsoft-com:mac:vml" xmlns:a14="http://schemas.microsoft.com/office/drawing/2010/main" xmlns="" xmlns:p="http://schemas.openxmlformats.org/presentationml/2006/main" xmlns:r="http://schemas.openxmlformats.org/officeDocument/2006/relationships" xmlns:a="http://schemas.openxmlformats.org/drawingml/2006/main">
                 <a:noFill/>
               </a14:hiddenFill>
             </a:ext>
@@ -12618,7 +12443,7 @@
           <a:effectLst/>
           <a:extLst>
             <a:ext uri="{909E8E84-426E-40DD-AFC4-6F175D3DCCD1}">
-              <a14:hiddenFill xmlns:a="http://schemas.openxmlformats.org/drawingml/2006/main" xmlns:r="http://schemas.openxmlformats.org/officeDocument/2006/relationships" xmlns:p="http://schemas.openxmlformats.org/presentationml/2006/main" xmlns="" xmlns:a14="http://schemas.microsoft.com/office/drawing/2010/main" xmlns:mv="urn:schemas-microsoft-com:mac:vml" xmlns:mc="http://schemas.openxmlformats.org/markup-compatibility/2006">
+              <a14:hiddenFill xmlns:mc="http://schemas.openxmlformats.org/markup-compatibility/2006" xmlns:mv="urn:schemas-microsoft-com:mac:vml" xmlns:a14="http://schemas.microsoft.com/office/drawing/2010/main" xmlns="" xmlns:p="http://schemas.openxmlformats.org/presentationml/2006/main" xmlns:r="http://schemas.openxmlformats.org/officeDocument/2006/relationships" xmlns:a="http://schemas.openxmlformats.org/drawingml/2006/main">
                 <a:noFill/>
               </a14:hiddenFill>
             </a:ext>
@@ -12975,7 +12800,7 @@
           <a:effectLst/>
           <a:extLst>
             <a:ext uri="{909E8E84-426E-40DD-AFC4-6F175D3DCCD1}">
-              <a14:hiddenFill xmlns:a="http://schemas.openxmlformats.org/drawingml/2006/main" xmlns:r="http://schemas.openxmlformats.org/officeDocument/2006/relationships" xmlns:p="http://schemas.openxmlformats.org/presentationml/2006/main" xmlns="" xmlns:a14="http://schemas.microsoft.com/office/drawing/2010/main" xmlns:mv="urn:schemas-microsoft-com:mac:vml" xmlns:mc="http://schemas.openxmlformats.org/markup-compatibility/2006">
+              <a14:hiddenFill xmlns:mc="http://schemas.openxmlformats.org/markup-compatibility/2006" xmlns:mv="urn:schemas-microsoft-com:mac:vml" xmlns:a14="http://schemas.microsoft.com/office/drawing/2010/main" xmlns="" xmlns:p="http://schemas.openxmlformats.org/presentationml/2006/main" xmlns:r="http://schemas.openxmlformats.org/officeDocument/2006/relationships" xmlns:a="http://schemas.openxmlformats.org/drawingml/2006/main">
                 <a:noFill/>
               </a14:hiddenFill>
             </a:ext>
@@ -13018,7 +12843,7 @@
           <a:effectLst/>
           <a:extLst>
             <a:ext uri="{909E8E84-426E-40DD-AFC4-6F175D3DCCD1}">
-              <a14:hiddenFill xmlns:a="http://schemas.openxmlformats.org/drawingml/2006/main" xmlns:r="http://schemas.openxmlformats.org/officeDocument/2006/relationships" xmlns:p="http://schemas.openxmlformats.org/presentationml/2006/main" xmlns="" xmlns:a14="http://schemas.microsoft.com/office/drawing/2010/main" xmlns:mv="urn:schemas-microsoft-com:mac:vml" xmlns:mc="http://schemas.openxmlformats.org/markup-compatibility/2006">
+              <a14:hiddenFill xmlns:mc="http://schemas.openxmlformats.org/markup-compatibility/2006" xmlns:mv="urn:schemas-microsoft-com:mac:vml" xmlns:a14="http://schemas.microsoft.com/office/drawing/2010/main" xmlns="" xmlns:p="http://schemas.openxmlformats.org/presentationml/2006/main" xmlns:r="http://schemas.openxmlformats.org/officeDocument/2006/relationships" xmlns:a="http://schemas.openxmlformats.org/drawingml/2006/main">
                 <a:noFill/>
               </a14:hiddenFill>
             </a:ext>
@@ -13367,7 +13192,7 @@
           <a:effectLst/>
           <a:extLst>
             <a:ext uri="{909E8E84-426E-40DD-AFC4-6F175D3DCCD1}">
-              <a14:hiddenFill xmlns:a="http://schemas.openxmlformats.org/drawingml/2006/main" xmlns:r="http://schemas.openxmlformats.org/officeDocument/2006/relationships" xmlns:p="http://schemas.openxmlformats.org/presentationml/2006/main" xmlns="" xmlns:a14="http://schemas.microsoft.com/office/drawing/2010/main" xmlns:mv="urn:schemas-microsoft-com:mac:vml" xmlns:mc="http://schemas.openxmlformats.org/markup-compatibility/2006">
+              <a14:hiddenFill xmlns:mc="http://schemas.openxmlformats.org/markup-compatibility/2006" xmlns:mv="urn:schemas-microsoft-com:mac:vml" xmlns:a14="http://schemas.microsoft.com/office/drawing/2010/main" xmlns="" xmlns:p="http://schemas.openxmlformats.org/presentationml/2006/main" xmlns:r="http://schemas.openxmlformats.org/officeDocument/2006/relationships" xmlns:a="http://schemas.openxmlformats.org/drawingml/2006/main">
                 <a:noFill/>
               </a14:hiddenFill>
             </a:ext>
@@ -13410,7 +13235,7 @@
           <a:effectLst/>
           <a:extLst>
             <a:ext uri="{909E8E84-426E-40DD-AFC4-6F175D3DCCD1}">
-              <a14:hiddenFill xmlns:a="http://schemas.openxmlformats.org/drawingml/2006/main" xmlns:r="http://schemas.openxmlformats.org/officeDocument/2006/relationships" xmlns:p="http://schemas.openxmlformats.org/presentationml/2006/main" xmlns="" xmlns:a14="http://schemas.microsoft.com/office/drawing/2010/main" xmlns:mv="urn:schemas-microsoft-com:mac:vml" xmlns:mc="http://schemas.openxmlformats.org/markup-compatibility/2006">
+              <a14:hiddenFill xmlns:mc="http://schemas.openxmlformats.org/markup-compatibility/2006" xmlns:mv="urn:schemas-microsoft-com:mac:vml" xmlns:a14="http://schemas.microsoft.com/office/drawing/2010/main" xmlns="" xmlns:p="http://schemas.openxmlformats.org/presentationml/2006/main" xmlns:r="http://schemas.openxmlformats.org/officeDocument/2006/relationships" xmlns:a="http://schemas.openxmlformats.org/drawingml/2006/main">
                 <a:noFill/>
               </a14:hiddenFill>
             </a:ext>
@@ -13736,7 +13561,7 @@
     </p:spTree>
     <p:extLst>
       <p:ext uri="{BB962C8B-B14F-4D97-AF65-F5344CB8AC3E}">
-        <p14:creationId xmlns:a="http://schemas.openxmlformats.org/drawingml/2006/main" xmlns:r="http://schemas.openxmlformats.org/officeDocument/2006/relationships" xmlns:p="http://schemas.openxmlformats.org/presentationml/2006/main" xmlns="" xmlns:p14="http://schemas.microsoft.com/office/powerpoint/2010/main" xmlns:mv="urn:schemas-microsoft-com:mac:vml" xmlns:mc="http://schemas.openxmlformats.org/markup-compatibility/2006" val="653366782"/>
+        <p14:creationId xmlns:mc="http://schemas.openxmlformats.org/markup-compatibility/2006" xmlns:mv="urn:schemas-microsoft-com:mac:vml" xmlns:p14="http://schemas.microsoft.com/office/powerpoint/2010/main" xmlns="" xmlns:p="http://schemas.openxmlformats.org/presentationml/2006/main" xmlns:r="http://schemas.openxmlformats.org/officeDocument/2006/relationships" xmlns:a="http://schemas.openxmlformats.org/drawingml/2006/main" val="653366782"/>
       </p:ext>
     </p:extLst>
   </p:cSld>
@@ -14710,7 +14535,6 @@
               <a:rPr lang="en-GB" dirty="0" smtClean="0"/>
               <a:t>a system that generalizes a placeholder job to provide multi-level scheduling to allow application-level control over the system scheduler via a scheduling overlay</a:t>
             </a:r>
-            <a:endParaRPr lang="en-GB" dirty="0" smtClean="0"/>
           </a:p>
           <a:p>
             <a:r>
@@ -14723,11 +14547,7 @@
             </a:r>
             <a:r>
               <a:rPr lang="en-US" dirty="0" smtClean="0"/>
-              <a:t> </a:t>
-            </a:r>
-            <a:r>
-              <a:rPr lang="en-US" dirty="0" smtClean="0"/>
-              <a:t>of Pilot Job systems:</a:t>
+              <a:t> of Pilot Job systems:</a:t>
             </a:r>
           </a:p>
           <a:p>
@@ -14736,7 +14556,6 @@
               <a:rPr lang="en-US" dirty="0" smtClean="0"/>
               <a:t>Abstraction between application and resource layer</a:t>
             </a:r>
-            <a:endParaRPr lang="en-US" dirty="0" smtClean="0"/>
           </a:p>
           <a:p>
             <a:pPr lvl="1"/>
@@ -14777,44 +14596,26 @@
               <a:rPr lang="en-US" dirty="0" smtClean="0"/>
               <a:t> of current Pilot-Jobs implementations:</a:t>
             </a:r>
-            <a:endParaRPr lang="en-US" dirty="0" smtClean="0"/>
           </a:p>
           <a:p>
             <a:pPr lvl="1"/>
             <a:r>
               <a:rPr lang="en-US" dirty="0" smtClean="0"/>
-              <a:t>Many Pilot-Job offerings</a:t>
-            </a:r>
+              <a:t>Many Pilot-Job offerings, often semantically distinct </a:t>
+            </a:r>
+          </a:p>
+          <a:p>
+            <a:pPr lvl="2"/>
             <a:r>
               <a:rPr lang="en-US" dirty="0" smtClean="0"/>
-              <a:t>, often</a:t>
-            </a:r>
+              <a:t>Conceptual: P* towards a unified view of pilot-jobs, pilot-abstractions</a:t>
+            </a:r>
+          </a:p>
+          <a:p>
+            <a:pPr lvl="1"/>
             <a:r>
               <a:rPr lang="en-US" dirty="0" smtClean="0"/>
-              <a:t> semantically distinct </a:t>
-            </a:r>
-          </a:p>
-          <a:p>
-            <a:pPr lvl="2"/>
-            <a:r>
-              <a:rPr lang="en-US" dirty="0" smtClean="0"/>
-              <a:t>Conceptual: P* towards a unified view of pilot-jobs, pilot-</a:t>
-            </a:r>
-            <a:r>
-              <a:rPr lang="en-US" dirty="0" smtClean="0"/>
-              <a:t>abstractions</a:t>
-            </a:r>
-            <a:endParaRPr lang="en-US" dirty="0" smtClean="0"/>
-          </a:p>
-          <a:p>
-            <a:pPr lvl="1"/>
-            <a:r>
-              <a:rPr lang="en-US" dirty="0" smtClean="0"/>
-              <a:t>How to </a:t>
-            </a:r>
-            <a:r>
-              <a:rPr lang="en-US" dirty="0" smtClean="0"/>
-              <a:t>“slice and dice” resources? How to map to infrastructure?</a:t>
+              <a:t>How to “slice and dice” resources? How to map to infrastructure?</a:t>
             </a:r>
           </a:p>
           <a:p>
@@ -15545,7 +15346,7 @@
   <a:extraClrSchemeLst/>
   <a:extLst>
     <a:ext uri="{05A4C25C-085E-4340-85A3-A5531E510DB2}">
-      <thm15:themeFamily xmlns:a="http://schemas.openxmlformats.org/drawingml/2006/main" xmlns="" xmlns:thm15="http://schemas.microsoft.com/office/thememl/2012/main" name="Rutgers-AIMES-PPT-theme" id="{F430BC44-5DF7-4276-84A4-99FE82B0FA7F}" vid="{D9AB68C1-47E8-405C-A290-95F887E613EF}"/>
+      <thm15:themeFamily xmlns:thm15="http://schemas.microsoft.com/office/thememl/2012/main" xmlns="" xmlns:a="http://schemas.openxmlformats.org/drawingml/2006/main" name="Rutgers-AIMES-PPT-theme" id="{F430BC44-5DF7-4276-84A4-99FE82B0FA7F}" vid="{D9AB68C1-47E8-405C-A290-95F887E613EF}"/>
     </a:ext>
   </a:extLst>
 </a:theme>
